--- a/Rapport-PowerPoint-Base de connaissance/Projet SmartPatate.pptx
+++ b/Rapport-PowerPoint-Base de connaissance/Projet SmartPatate.pptx
@@ -6,6 +6,11 @@
   </p:sldMasterIdLst>
   <p:sldIdLst>
     <p:sldId id="256" r:id="rId2"/>
+    <p:sldId id="257" r:id="rId3"/>
+    <p:sldId id="258" r:id="rId4"/>
+    <p:sldId id="259" r:id="rId5"/>
+    <p:sldId id="260" r:id="rId6"/>
+    <p:sldId id="261" r:id="rId7"/>
   </p:sldIdLst>
   <p:sldSz cx="12192000" cy="6858000"/>
   <p:notesSz cx="6858000" cy="9144000"/>
@@ -5847,10 +5852,9 @@
           <a:lstStyle/>
           <a:p>
             <a:r>
-              <a:rPr lang="fr-FR" dirty="0" err="1"/>
+              <a:rPr lang="fr-FR" dirty="0"/>
               <a:t>Exia.Cesi</a:t>
             </a:r>
-            <a:endParaRPr lang="fr-FR" dirty="0"/>
           </a:p>
           <a:p>
             <a:r>
@@ -5975,6 +5979,587 @@
     <p:extLst>
       <p:ext uri="{BB962C8B-B14F-4D97-AF65-F5344CB8AC3E}">
         <p14:creationId xmlns:p14="http://schemas.microsoft.com/office/powerpoint/2010/main" val="952477876"/>
+      </p:ext>
+    </p:extLst>
+  </p:cSld>
+  <p:clrMapOvr>
+    <a:masterClrMapping/>
+  </p:clrMapOvr>
+</p:sld>
+</file>
+
+<file path=ppt/slides/slide2.xml><?xml version="1.0" encoding="utf-8"?>
+<p:sld xmlns:a="http://schemas.openxmlformats.org/drawingml/2006/main" xmlns:r="http://schemas.openxmlformats.org/officeDocument/2006/relationships" xmlns:p="http://schemas.openxmlformats.org/presentationml/2006/main">
+  <p:cSld>
+    <p:spTree>
+      <p:nvGrpSpPr>
+        <p:cNvPr id="1" name=""/>
+        <p:cNvGrpSpPr/>
+        <p:nvPr/>
+      </p:nvGrpSpPr>
+      <p:grpSpPr>
+        <a:xfrm>
+          <a:off x="0" y="0"/>
+          <a:ext cx="0" cy="0"/>
+          <a:chOff x="0" y="0"/>
+          <a:chExt cx="0" cy="0"/>
+        </a:xfrm>
+      </p:grpSpPr>
+      <p:sp>
+        <p:nvSpPr>
+          <p:cNvPr id="2" name="Titre 1"/>
+          <p:cNvSpPr>
+            <a:spLocks noGrp="1"/>
+          </p:cNvSpPr>
+          <p:nvPr>
+            <p:ph type="title"/>
+          </p:nvPr>
+        </p:nvSpPr>
+        <p:spPr>
+          <a:xfrm>
+            <a:off x="677334" y="609600"/>
+            <a:ext cx="8596668" cy="1320800"/>
+          </a:xfrm>
+        </p:spPr>
+        <p:txBody>
+          <a:bodyPr>
+            <a:normAutofit/>
+          </a:bodyPr>
+          <a:lstStyle/>
+          <a:p>
+            <a:pPr algn="ctr"/>
+            <a:r>
+              <a:rPr lang="fr-FR" sz="4800" b="1" dirty="0"/>
+              <a:t>SOMMAIRE</a:t>
+            </a:r>
+          </a:p>
+        </p:txBody>
+      </p:sp>
+      <p:sp>
+        <p:nvSpPr>
+          <p:cNvPr id="3" name="Espace réservé du contenu 2"/>
+          <p:cNvSpPr>
+            <a:spLocks noGrp="1"/>
+          </p:cNvSpPr>
+          <p:nvPr>
+            <p:ph idx="1"/>
+          </p:nvPr>
+        </p:nvSpPr>
+        <p:spPr>
+          <a:xfrm>
+            <a:off x="677334" y="1436914"/>
+            <a:ext cx="8596668" cy="5066523"/>
+          </a:xfrm>
+        </p:spPr>
+        <p:txBody>
+          <a:bodyPr>
+            <a:normAutofit fontScale="92500" lnSpcReduction="10000"/>
+          </a:bodyPr>
+          <a:lstStyle/>
+          <a:p>
+            <a:pPr>
+              <a:lnSpc>
+                <a:spcPct val="200000"/>
+              </a:lnSpc>
+            </a:pPr>
+            <a:r>
+              <a:rPr lang="fr-FR" sz="3200" b="1" dirty="0"/>
+              <a:t>Contexte Du Projet</a:t>
+            </a:r>
+          </a:p>
+          <a:p>
+            <a:pPr>
+              <a:lnSpc>
+                <a:spcPct val="200000"/>
+              </a:lnSpc>
+            </a:pPr>
+            <a:r>
+              <a:rPr lang="fr-FR" sz="3200" b="1" dirty="0"/>
+              <a:t>Expérimentation</a:t>
+            </a:r>
+          </a:p>
+          <a:p>
+            <a:pPr>
+              <a:lnSpc>
+                <a:spcPct val="200000"/>
+              </a:lnSpc>
+            </a:pPr>
+            <a:r>
+              <a:rPr lang="fr-FR" sz="3200" b="1" dirty="0"/>
+              <a:t>Explication circuit/Composant</a:t>
+            </a:r>
+          </a:p>
+          <a:p>
+            <a:pPr>
+              <a:lnSpc>
+                <a:spcPct val="200000"/>
+              </a:lnSpc>
+            </a:pPr>
+            <a:r>
+              <a:rPr lang="fr-FR" sz="3200" b="1" dirty="0"/>
+              <a:t>Présentation Prototype</a:t>
+            </a:r>
+          </a:p>
+          <a:p>
+            <a:pPr>
+              <a:lnSpc>
+                <a:spcPct val="200000"/>
+              </a:lnSpc>
+            </a:pPr>
+            <a:r>
+              <a:rPr lang="fr-FR" sz="3200" b="1" dirty="0"/>
+              <a:t>Bilan Projet</a:t>
+            </a:r>
+          </a:p>
+        </p:txBody>
+      </p:sp>
+    </p:spTree>
+    <p:extLst>
+      <p:ext uri="{BB962C8B-B14F-4D97-AF65-F5344CB8AC3E}">
+        <p14:creationId xmlns:p14="http://schemas.microsoft.com/office/powerpoint/2010/main" val="148075379"/>
+      </p:ext>
+    </p:extLst>
+  </p:cSld>
+  <p:clrMapOvr>
+    <a:masterClrMapping/>
+  </p:clrMapOvr>
+</p:sld>
+</file>
+
+<file path=ppt/slides/slide3.xml><?xml version="1.0" encoding="utf-8"?>
+<p:sld xmlns:a="http://schemas.openxmlformats.org/drawingml/2006/main" xmlns:r="http://schemas.openxmlformats.org/officeDocument/2006/relationships" xmlns:p="http://schemas.openxmlformats.org/presentationml/2006/main">
+  <p:cSld>
+    <p:spTree>
+      <p:nvGrpSpPr>
+        <p:cNvPr id="1" name=""/>
+        <p:cNvGrpSpPr/>
+        <p:nvPr/>
+      </p:nvGrpSpPr>
+      <p:grpSpPr>
+        <a:xfrm>
+          <a:off x="0" y="0"/>
+          <a:ext cx="0" cy="0"/>
+          <a:chOff x="0" y="0"/>
+          <a:chExt cx="0" cy="0"/>
+        </a:xfrm>
+      </p:grpSpPr>
+      <p:sp>
+        <p:nvSpPr>
+          <p:cNvPr id="2" name="Titre 1"/>
+          <p:cNvSpPr>
+            <a:spLocks noGrp="1"/>
+          </p:cNvSpPr>
+          <p:nvPr>
+            <p:ph type="title"/>
+          </p:nvPr>
+        </p:nvSpPr>
+        <p:spPr/>
+        <p:txBody>
+          <a:bodyPr/>
+          <a:lstStyle/>
+          <a:p>
+            <a:pPr algn="ctr"/>
+            <a:r>
+              <a:rPr lang="fr-FR" sz="4400" b="1" dirty="0"/>
+              <a:t>Contexte Du Projet</a:t>
+            </a:r>
+            <a:br>
+              <a:rPr lang="fr-FR" b="1" dirty="0"/>
+            </a:br>
+            <a:endParaRPr lang="fr-FR" dirty="0"/>
+          </a:p>
+        </p:txBody>
+      </p:sp>
+      <p:sp>
+        <p:nvSpPr>
+          <p:cNvPr id="3" name="Espace réservé du contenu 2"/>
+          <p:cNvSpPr>
+            <a:spLocks noGrp="1"/>
+          </p:cNvSpPr>
+          <p:nvPr>
+            <p:ph idx="1"/>
+          </p:nvPr>
+        </p:nvSpPr>
+        <p:spPr>
+          <a:xfrm>
+            <a:off x="677334" y="1595535"/>
+            <a:ext cx="8596668" cy="4445827"/>
+          </a:xfrm>
+        </p:spPr>
+        <p:txBody>
+          <a:bodyPr>
+            <a:normAutofit/>
+          </a:bodyPr>
+          <a:lstStyle/>
+          <a:p>
+            <a:pPr>
+              <a:lnSpc>
+                <a:spcPct val="200000"/>
+              </a:lnSpc>
+            </a:pPr>
+            <a:endParaRPr lang="fr-FR" sz="2400" dirty="0"/>
+          </a:p>
+          <a:p>
+            <a:pPr>
+              <a:lnSpc>
+                <a:spcPct val="200000"/>
+              </a:lnSpc>
+            </a:pPr>
+            <a:r>
+              <a:rPr lang="fr-FR" sz="3200" dirty="0"/>
+              <a:t>Présentation du projet</a:t>
+            </a:r>
+          </a:p>
+          <a:p>
+            <a:pPr>
+              <a:lnSpc>
+                <a:spcPct val="200000"/>
+              </a:lnSpc>
+            </a:pPr>
+            <a:r>
+              <a:rPr lang="fr-FR" sz="3200" dirty="0"/>
+              <a:t>Utilisation des capteurs capacitif</a:t>
+            </a:r>
+          </a:p>
+        </p:txBody>
+      </p:sp>
+      <p:pic>
+        <p:nvPicPr>
+          <p:cNvPr id="4" name="Image 3"/>
+          <p:cNvPicPr>
+            <a:picLocks noChangeAspect="1"/>
+          </p:cNvPicPr>
+          <p:nvPr/>
+        </p:nvPicPr>
+        <p:blipFill>
+          <a:blip r:embed="rId2"/>
+          <a:stretch>
+            <a:fillRect/>
+          </a:stretch>
+        </p:blipFill>
+        <p:spPr>
+          <a:xfrm>
+            <a:off x="7796006" y="3677254"/>
+            <a:ext cx="1477996" cy="1274913"/>
+          </a:xfrm>
+          <a:prstGeom prst="rect">
+            <a:avLst/>
+          </a:prstGeom>
+        </p:spPr>
+      </p:pic>
+    </p:spTree>
+    <p:extLst>
+      <p:ext uri="{BB962C8B-B14F-4D97-AF65-F5344CB8AC3E}">
+        <p14:creationId xmlns:p14="http://schemas.microsoft.com/office/powerpoint/2010/main" val="1605219898"/>
+      </p:ext>
+    </p:extLst>
+  </p:cSld>
+  <p:clrMapOvr>
+    <a:masterClrMapping/>
+  </p:clrMapOvr>
+</p:sld>
+</file>
+
+<file path=ppt/slides/slide4.xml><?xml version="1.0" encoding="utf-8"?>
+<p:sld xmlns:a="http://schemas.openxmlformats.org/drawingml/2006/main" xmlns:r="http://schemas.openxmlformats.org/officeDocument/2006/relationships" xmlns:p="http://schemas.openxmlformats.org/presentationml/2006/main">
+  <p:cSld>
+    <p:spTree>
+      <p:nvGrpSpPr>
+        <p:cNvPr id="1" name=""/>
+        <p:cNvGrpSpPr/>
+        <p:nvPr/>
+      </p:nvGrpSpPr>
+      <p:grpSpPr>
+        <a:xfrm>
+          <a:off x="0" y="0"/>
+          <a:ext cx="0" cy="0"/>
+          <a:chOff x="0" y="0"/>
+          <a:chExt cx="0" cy="0"/>
+        </a:xfrm>
+      </p:grpSpPr>
+      <p:sp>
+        <p:nvSpPr>
+          <p:cNvPr id="2" name="Titre 1"/>
+          <p:cNvSpPr>
+            <a:spLocks noGrp="1"/>
+          </p:cNvSpPr>
+          <p:nvPr>
+            <p:ph type="title"/>
+          </p:nvPr>
+        </p:nvSpPr>
+        <p:spPr>
+          <a:xfrm>
+            <a:off x="677334" y="609600"/>
+            <a:ext cx="8596668" cy="1320800"/>
+          </a:xfrm>
+        </p:spPr>
+        <p:txBody>
+          <a:bodyPr>
+            <a:normAutofit fontScale="90000"/>
+          </a:bodyPr>
+          <a:lstStyle/>
+          <a:p>
+            <a:pPr algn="ctr"/>
+            <a:r>
+              <a:rPr lang="fr-FR" sz="4400" b="1" dirty="0"/>
+              <a:t>Expérimentation</a:t>
+            </a:r>
+            <a:br>
+              <a:rPr lang="fr-FR" sz="4400" b="1" dirty="0"/>
+            </a:br>
+            <a:r>
+              <a:rPr lang="fr-FR" sz="4400" b="1" dirty="0"/>
+              <a:t>Expérience 1</a:t>
+            </a:r>
+            <a:br>
+              <a:rPr lang="fr-FR" b="1" dirty="0"/>
+            </a:br>
+            <a:endParaRPr lang="fr-FR" dirty="0"/>
+          </a:p>
+        </p:txBody>
+      </p:sp>
+      <p:pic>
+        <p:nvPicPr>
+          <p:cNvPr id="4" name="Espace réservé du contenu 3"/>
+          <p:cNvPicPr>
+            <a:picLocks noGrp="1"/>
+          </p:cNvPicPr>
+          <p:nvPr>
+            <p:ph idx="1"/>
+          </p:nvPr>
+        </p:nvPicPr>
+        <p:blipFill>
+          <a:blip r:embed="rId2"/>
+          <a:stretch>
+            <a:fillRect/>
+          </a:stretch>
+        </p:blipFill>
+        <p:spPr>
+          <a:xfrm>
+            <a:off x="1472321" y="1930400"/>
+            <a:ext cx="7006693" cy="4641850"/>
+          </a:xfrm>
+          <a:prstGeom prst="rect">
+            <a:avLst/>
+          </a:prstGeom>
+        </p:spPr>
+      </p:pic>
+    </p:spTree>
+    <p:extLst>
+      <p:ext uri="{BB962C8B-B14F-4D97-AF65-F5344CB8AC3E}">
+        <p14:creationId xmlns:p14="http://schemas.microsoft.com/office/powerpoint/2010/main" val="1759951234"/>
+      </p:ext>
+    </p:extLst>
+  </p:cSld>
+  <p:clrMapOvr>
+    <a:masterClrMapping/>
+  </p:clrMapOvr>
+</p:sld>
+</file>
+
+<file path=ppt/slides/slide5.xml><?xml version="1.0" encoding="utf-8"?>
+<p:sld xmlns:a="http://schemas.openxmlformats.org/drawingml/2006/main" xmlns:r="http://schemas.openxmlformats.org/officeDocument/2006/relationships" xmlns:p="http://schemas.openxmlformats.org/presentationml/2006/main">
+  <p:cSld>
+    <p:spTree>
+      <p:nvGrpSpPr>
+        <p:cNvPr id="1" name=""/>
+        <p:cNvGrpSpPr/>
+        <p:nvPr/>
+      </p:nvGrpSpPr>
+      <p:grpSpPr>
+        <a:xfrm>
+          <a:off x="0" y="0"/>
+          <a:ext cx="0" cy="0"/>
+          <a:chOff x="0" y="0"/>
+          <a:chExt cx="0" cy="0"/>
+        </a:xfrm>
+      </p:grpSpPr>
+      <p:sp>
+        <p:nvSpPr>
+          <p:cNvPr id="2" name="Titre 1"/>
+          <p:cNvSpPr>
+            <a:spLocks noGrp="1"/>
+          </p:cNvSpPr>
+          <p:nvPr>
+            <p:ph type="title"/>
+          </p:nvPr>
+        </p:nvSpPr>
+        <p:spPr>
+          <a:xfrm>
+            <a:off x="677334" y="609600"/>
+            <a:ext cx="8596668" cy="1320800"/>
+          </a:xfrm>
+        </p:spPr>
+        <p:txBody>
+          <a:bodyPr>
+            <a:normAutofit fontScale="90000"/>
+          </a:bodyPr>
+          <a:lstStyle/>
+          <a:p>
+            <a:pPr algn="ctr"/>
+            <a:r>
+              <a:rPr lang="fr-FR" sz="4400" b="1"/>
+              <a:t>Expérimentation</a:t>
+            </a:r>
+            <a:br>
+              <a:rPr lang="fr-FR" sz="4400" b="1" dirty="0"/>
+            </a:br>
+            <a:r>
+              <a:rPr lang="fr-FR" sz="4400" b="1"/>
+              <a:t>Expérience 1</a:t>
+            </a:r>
+            <a:br>
+              <a:rPr lang="fr-FR" b="1" dirty="0"/>
+            </a:br>
+            <a:endParaRPr lang="fr-FR" dirty="0"/>
+          </a:p>
+        </p:txBody>
+      </p:sp>
+      <p:pic>
+        <p:nvPicPr>
+          <p:cNvPr id="6" name="Image 5"/>
+          <p:cNvPicPr>
+            <a:picLocks noChangeAspect="1"/>
+          </p:cNvPicPr>
+          <p:nvPr/>
+        </p:nvPicPr>
+        <p:blipFill>
+          <a:blip r:embed="rId2"/>
+          <a:stretch>
+            <a:fillRect/>
+          </a:stretch>
+        </p:blipFill>
+        <p:spPr>
+          <a:xfrm>
+            <a:off x="532926" y="1930400"/>
+            <a:ext cx="8885484" cy="2048213"/>
+          </a:xfrm>
+          <a:prstGeom prst="rect">
+            <a:avLst/>
+          </a:prstGeom>
+        </p:spPr>
+      </p:pic>
+      <p:pic>
+        <p:nvPicPr>
+          <p:cNvPr id="7" name="Image 6"/>
+          <p:cNvPicPr>
+            <a:picLocks noChangeAspect="1"/>
+          </p:cNvPicPr>
+          <p:nvPr/>
+        </p:nvPicPr>
+        <p:blipFill>
+          <a:blip r:embed="rId3"/>
+          <a:stretch>
+            <a:fillRect/>
+          </a:stretch>
+        </p:blipFill>
+        <p:spPr>
+          <a:xfrm>
+            <a:off x="1493166" y="3978613"/>
+            <a:ext cx="7252000" cy="2629302"/>
+          </a:xfrm>
+          <a:prstGeom prst="rect">
+            <a:avLst/>
+          </a:prstGeom>
+        </p:spPr>
+      </p:pic>
+    </p:spTree>
+    <p:extLst>
+      <p:ext uri="{BB962C8B-B14F-4D97-AF65-F5344CB8AC3E}">
+        <p14:creationId xmlns:p14="http://schemas.microsoft.com/office/powerpoint/2010/main" val="4201328662"/>
+      </p:ext>
+    </p:extLst>
+  </p:cSld>
+  <p:clrMapOvr>
+    <a:masterClrMapping/>
+  </p:clrMapOvr>
+</p:sld>
+</file>
+
+<file path=ppt/slides/slide6.xml><?xml version="1.0" encoding="utf-8"?>
+<p:sld xmlns:a="http://schemas.openxmlformats.org/drawingml/2006/main" xmlns:r="http://schemas.openxmlformats.org/officeDocument/2006/relationships" xmlns:p="http://schemas.openxmlformats.org/presentationml/2006/main">
+  <p:cSld>
+    <p:spTree>
+      <p:nvGrpSpPr>
+        <p:cNvPr id="1" name=""/>
+        <p:cNvGrpSpPr/>
+        <p:nvPr/>
+      </p:nvGrpSpPr>
+      <p:grpSpPr>
+        <a:xfrm>
+          <a:off x="0" y="0"/>
+          <a:ext cx="0" cy="0"/>
+          <a:chOff x="0" y="0"/>
+          <a:chExt cx="0" cy="0"/>
+        </a:xfrm>
+      </p:grpSpPr>
+      <p:sp>
+        <p:nvSpPr>
+          <p:cNvPr id="2" name="Titre 1"/>
+          <p:cNvSpPr>
+            <a:spLocks noGrp="1"/>
+          </p:cNvSpPr>
+          <p:nvPr>
+            <p:ph type="title"/>
+          </p:nvPr>
+        </p:nvSpPr>
+        <p:spPr>
+          <a:xfrm>
+            <a:off x="677334" y="609600"/>
+            <a:ext cx="8596668" cy="1320800"/>
+          </a:xfrm>
+        </p:spPr>
+        <p:txBody>
+          <a:bodyPr>
+            <a:normAutofit fontScale="90000"/>
+          </a:bodyPr>
+          <a:lstStyle/>
+          <a:p>
+            <a:pPr algn="ctr"/>
+            <a:r>
+              <a:rPr lang="fr-FR" sz="4400" b="1" dirty="0"/>
+              <a:t>Expérimentation</a:t>
+            </a:r>
+            <a:br>
+              <a:rPr lang="fr-FR" sz="4400" b="1" dirty="0"/>
+            </a:br>
+            <a:r>
+              <a:rPr lang="fr-FR" sz="4400" b="1" dirty="0"/>
+              <a:t>Expérience 1</a:t>
+            </a:r>
+            <a:br>
+              <a:rPr lang="fr-FR" b="1" dirty="0"/>
+            </a:br>
+            <a:endParaRPr lang="fr-FR" dirty="0"/>
+          </a:p>
+        </p:txBody>
+      </p:sp>
+      <p:pic>
+        <p:nvPicPr>
+          <p:cNvPr id="6" name="Image 5"/>
+          <p:cNvPicPr/>
+          <p:nvPr/>
+        </p:nvPicPr>
+        <p:blipFill>
+          <a:blip r:embed="rId2"/>
+          <a:stretch>
+            <a:fillRect/>
+          </a:stretch>
+        </p:blipFill>
+        <p:spPr>
+          <a:xfrm>
+            <a:off x="1647265" y="1930400"/>
+            <a:ext cx="6656806" cy="4563849"/>
+          </a:xfrm>
+          <a:prstGeom prst="rect">
+            <a:avLst/>
+          </a:prstGeom>
+        </p:spPr>
+      </p:pic>
+    </p:spTree>
+    <p:extLst>
+      <p:ext uri="{BB962C8B-B14F-4D97-AF65-F5344CB8AC3E}">
+        <p14:creationId xmlns:p14="http://schemas.microsoft.com/office/powerpoint/2010/main" val="3671568694"/>
       </p:ext>
     </p:extLst>
   </p:cSld>

--- a/Rapport-PowerPoint-Base de connaissance/Projet SmartPatate.pptx
+++ b/Rapport-PowerPoint-Base de connaissance/Projet SmartPatate.pptx
@@ -4,6 +4,9 @@
   <p:sldMasterIdLst>
     <p:sldMasterId id="2147483660" r:id="rId1"/>
   </p:sldMasterIdLst>
+  <p:notesMasterIdLst>
+    <p:notesMasterId r:id="rId12"/>
+  </p:notesMasterIdLst>
   <p:sldIdLst>
     <p:sldId id="256" r:id="rId2"/>
     <p:sldId id="257" r:id="rId3"/>
@@ -11,6 +14,10 @@
     <p:sldId id="259" r:id="rId5"/>
     <p:sldId id="260" r:id="rId6"/>
     <p:sldId id="261" r:id="rId7"/>
+    <p:sldId id="262" r:id="rId8"/>
+    <p:sldId id="263" r:id="rId9"/>
+    <p:sldId id="264" r:id="rId10"/>
+    <p:sldId id="265" r:id="rId11"/>
   </p:sldIdLst>
   <p:sldSz cx="12192000" cy="6858000"/>
   <p:notesSz cx="6858000" cy="9144000"/>
@@ -110,6 +117,524 @@
     </a:lvl9pPr>
   </p:defaultTextStyle>
 </p:presentation>
+</file>
+
+<file path=ppt/notesMasters/notesMaster1.xml><?xml version="1.0" encoding="utf-8"?>
+<p:notesMaster xmlns:a="http://schemas.openxmlformats.org/drawingml/2006/main" xmlns:r="http://schemas.openxmlformats.org/officeDocument/2006/relationships" xmlns:p="http://schemas.openxmlformats.org/presentationml/2006/main">
+  <p:cSld>
+    <p:bg>
+      <p:bgRef idx="1001">
+        <a:schemeClr val="bg1"/>
+      </p:bgRef>
+    </p:bg>
+    <p:spTree>
+      <p:nvGrpSpPr>
+        <p:cNvPr id="1" name=""/>
+        <p:cNvGrpSpPr/>
+        <p:nvPr/>
+      </p:nvGrpSpPr>
+      <p:grpSpPr>
+        <a:xfrm>
+          <a:off x="0" y="0"/>
+          <a:ext cx="0" cy="0"/>
+          <a:chOff x="0" y="0"/>
+          <a:chExt cx="0" cy="0"/>
+        </a:xfrm>
+      </p:grpSpPr>
+      <p:sp>
+        <p:nvSpPr>
+          <p:cNvPr id="2" name="Espace réservé de l'en-tête 1"/>
+          <p:cNvSpPr>
+            <a:spLocks noGrp="1"/>
+          </p:cNvSpPr>
+          <p:nvPr>
+            <p:ph type="hdr" sz="quarter"/>
+          </p:nvPr>
+        </p:nvSpPr>
+        <p:spPr>
+          <a:xfrm>
+            <a:off x="0" y="0"/>
+            <a:ext cx="2971800" cy="458788"/>
+          </a:xfrm>
+          <a:prstGeom prst="rect">
+            <a:avLst/>
+          </a:prstGeom>
+        </p:spPr>
+        <p:txBody>
+          <a:bodyPr vert="horz" lIns="91440" tIns="45720" rIns="91440" bIns="45720" rtlCol="0"/>
+          <a:lstStyle>
+            <a:lvl1pPr algn="l">
+              <a:defRPr sz="1200"/>
+            </a:lvl1pPr>
+          </a:lstStyle>
+          <a:p>
+            <a:endParaRPr lang="fr-FR" dirty="0"/>
+          </a:p>
+        </p:txBody>
+      </p:sp>
+      <p:sp>
+        <p:nvSpPr>
+          <p:cNvPr id="3" name="Espace réservé de la date 2"/>
+          <p:cNvSpPr>
+            <a:spLocks noGrp="1"/>
+          </p:cNvSpPr>
+          <p:nvPr>
+            <p:ph type="dt" idx="1"/>
+          </p:nvPr>
+        </p:nvSpPr>
+        <p:spPr>
+          <a:xfrm>
+            <a:off x="3884613" y="0"/>
+            <a:ext cx="2971800" cy="458788"/>
+          </a:xfrm>
+          <a:prstGeom prst="rect">
+            <a:avLst/>
+          </a:prstGeom>
+        </p:spPr>
+        <p:txBody>
+          <a:bodyPr vert="horz" lIns="91440" tIns="45720" rIns="91440" bIns="45720" rtlCol="0"/>
+          <a:lstStyle>
+            <a:lvl1pPr algn="r">
+              <a:defRPr sz="1200"/>
+            </a:lvl1pPr>
+          </a:lstStyle>
+          <a:p>
+            <a:fld id="{E44E4D0C-E1C4-49C5-AC14-145750A4E737}" type="datetimeFigureOut">
+              <a:rPr lang="fr-FR" smtClean="0"/>
+              <a:t>18/11/2016</a:t>
+            </a:fld>
+            <a:endParaRPr lang="fr-FR" dirty="0"/>
+          </a:p>
+        </p:txBody>
+      </p:sp>
+      <p:sp>
+        <p:nvSpPr>
+          <p:cNvPr id="4" name="Espace réservé de l'image des diapositives 3"/>
+          <p:cNvSpPr>
+            <a:spLocks noGrp="1" noRot="1" noChangeAspect="1"/>
+          </p:cNvSpPr>
+          <p:nvPr>
+            <p:ph type="sldImg" idx="2"/>
+          </p:nvPr>
+        </p:nvSpPr>
+        <p:spPr>
+          <a:xfrm>
+            <a:off x="685800" y="1143000"/>
+            <a:ext cx="5486400" cy="3086100"/>
+          </a:xfrm>
+          <a:prstGeom prst="rect">
+            <a:avLst/>
+          </a:prstGeom>
+          <a:noFill/>
+          <a:ln w="12700">
+            <a:solidFill>
+              <a:prstClr val="black"/>
+            </a:solidFill>
+          </a:ln>
+        </p:spPr>
+        <p:txBody>
+          <a:bodyPr vert="horz" lIns="91440" tIns="45720" rIns="91440" bIns="45720" rtlCol="0" anchor="ctr"/>
+          <a:lstStyle/>
+          <a:p>
+            <a:endParaRPr lang="fr-FR" dirty="0"/>
+          </a:p>
+        </p:txBody>
+      </p:sp>
+      <p:sp>
+        <p:nvSpPr>
+          <p:cNvPr id="5" name="Espace réservé des notes 4"/>
+          <p:cNvSpPr>
+            <a:spLocks noGrp="1"/>
+          </p:cNvSpPr>
+          <p:nvPr>
+            <p:ph type="body" sz="quarter" idx="3"/>
+          </p:nvPr>
+        </p:nvSpPr>
+        <p:spPr>
+          <a:xfrm>
+            <a:off x="685800" y="4400550"/>
+            <a:ext cx="5486400" cy="3600450"/>
+          </a:xfrm>
+          <a:prstGeom prst="rect">
+            <a:avLst/>
+          </a:prstGeom>
+        </p:spPr>
+        <p:txBody>
+          <a:bodyPr vert="horz" lIns="91440" tIns="45720" rIns="91440" bIns="45720" rtlCol="0"/>
+          <a:lstStyle/>
+          <a:p>
+            <a:pPr lvl="0"/>
+            <a:r>
+              <a:rPr lang="fr-FR"/>
+              <a:t>Modifier les styles du texte du masque</a:t>
+            </a:r>
+          </a:p>
+          <a:p>
+            <a:pPr lvl="1"/>
+            <a:r>
+              <a:rPr lang="fr-FR"/>
+              <a:t>Deuxième niveau</a:t>
+            </a:r>
+          </a:p>
+          <a:p>
+            <a:pPr lvl="2"/>
+            <a:r>
+              <a:rPr lang="fr-FR"/>
+              <a:t>Troisième niveau</a:t>
+            </a:r>
+          </a:p>
+          <a:p>
+            <a:pPr lvl="3"/>
+            <a:r>
+              <a:rPr lang="fr-FR"/>
+              <a:t>Quatrième niveau</a:t>
+            </a:r>
+          </a:p>
+          <a:p>
+            <a:pPr lvl="4"/>
+            <a:r>
+              <a:rPr lang="fr-FR"/>
+              <a:t>Cinquième niveau</a:t>
+            </a:r>
+            <a:endParaRPr lang="fr-FR"/>
+          </a:p>
+        </p:txBody>
+      </p:sp>
+      <p:sp>
+        <p:nvSpPr>
+          <p:cNvPr id="6" name="Espace réservé du pied de page 5"/>
+          <p:cNvSpPr>
+            <a:spLocks noGrp="1"/>
+          </p:cNvSpPr>
+          <p:nvPr>
+            <p:ph type="ftr" sz="quarter" idx="4"/>
+          </p:nvPr>
+        </p:nvSpPr>
+        <p:spPr>
+          <a:xfrm>
+            <a:off x="0" y="8685213"/>
+            <a:ext cx="2971800" cy="458787"/>
+          </a:xfrm>
+          <a:prstGeom prst="rect">
+            <a:avLst/>
+          </a:prstGeom>
+        </p:spPr>
+        <p:txBody>
+          <a:bodyPr vert="horz" lIns="91440" tIns="45720" rIns="91440" bIns="45720" rtlCol="0" anchor="b"/>
+          <a:lstStyle>
+            <a:lvl1pPr algn="l">
+              <a:defRPr sz="1200"/>
+            </a:lvl1pPr>
+          </a:lstStyle>
+          <a:p>
+            <a:endParaRPr lang="fr-FR" dirty="0"/>
+          </a:p>
+        </p:txBody>
+      </p:sp>
+      <p:sp>
+        <p:nvSpPr>
+          <p:cNvPr id="7" name="Espace réservé du numéro de diapositive 6"/>
+          <p:cNvSpPr>
+            <a:spLocks noGrp="1"/>
+          </p:cNvSpPr>
+          <p:nvPr>
+            <p:ph type="sldNum" sz="quarter" idx="5"/>
+          </p:nvPr>
+        </p:nvSpPr>
+        <p:spPr>
+          <a:xfrm>
+            <a:off x="3884613" y="8685213"/>
+            <a:ext cx="2971800" cy="458787"/>
+          </a:xfrm>
+          <a:prstGeom prst="rect">
+            <a:avLst/>
+          </a:prstGeom>
+        </p:spPr>
+        <p:txBody>
+          <a:bodyPr vert="horz" lIns="91440" tIns="45720" rIns="91440" bIns="45720" rtlCol="0" anchor="b"/>
+          <a:lstStyle>
+            <a:lvl1pPr algn="r">
+              <a:defRPr sz="1200"/>
+            </a:lvl1pPr>
+          </a:lstStyle>
+          <a:p>
+            <a:fld id="{7A0069BE-ED50-4503-B231-940BFC3D5228}" type="slidenum">
+              <a:rPr lang="fr-FR" smtClean="0"/>
+              <a:t>‹N°›</a:t>
+            </a:fld>
+            <a:endParaRPr lang="fr-FR" dirty="0"/>
+          </a:p>
+        </p:txBody>
+      </p:sp>
+    </p:spTree>
+    <p:extLst>
+      <p:ext uri="{BB962C8B-B14F-4D97-AF65-F5344CB8AC3E}">
+        <p14:creationId xmlns:p14="http://schemas.microsoft.com/office/powerpoint/2010/main" val="1596419086"/>
+      </p:ext>
+    </p:extLst>
+  </p:cSld>
+  <p:clrMap bg1="lt1" tx1="dk1" bg2="lt2" tx2="dk2" accent1="accent1" accent2="accent2" accent3="accent3" accent4="accent4" accent5="accent5" accent6="accent6" hlink="hlink" folHlink="folHlink"/>
+  <p:notesStyle>
+    <a:lvl1pPr marL="0" algn="l" defTabSz="914400" rtl="0" eaLnBrk="1" latinLnBrk="0" hangingPunct="1">
+      <a:defRPr sz="1200" kern="1200">
+        <a:solidFill>
+          <a:schemeClr val="tx1"/>
+        </a:solidFill>
+        <a:latin typeface="+mn-lt"/>
+        <a:ea typeface="+mn-ea"/>
+        <a:cs typeface="+mn-cs"/>
+      </a:defRPr>
+    </a:lvl1pPr>
+    <a:lvl2pPr marL="457200" algn="l" defTabSz="914400" rtl="0" eaLnBrk="1" latinLnBrk="0" hangingPunct="1">
+      <a:defRPr sz="1200" kern="1200">
+        <a:solidFill>
+          <a:schemeClr val="tx1"/>
+        </a:solidFill>
+        <a:latin typeface="+mn-lt"/>
+        <a:ea typeface="+mn-ea"/>
+        <a:cs typeface="+mn-cs"/>
+      </a:defRPr>
+    </a:lvl2pPr>
+    <a:lvl3pPr marL="914400" algn="l" defTabSz="914400" rtl="0" eaLnBrk="1" latinLnBrk="0" hangingPunct="1">
+      <a:defRPr sz="1200" kern="1200">
+        <a:solidFill>
+          <a:schemeClr val="tx1"/>
+        </a:solidFill>
+        <a:latin typeface="+mn-lt"/>
+        <a:ea typeface="+mn-ea"/>
+        <a:cs typeface="+mn-cs"/>
+      </a:defRPr>
+    </a:lvl3pPr>
+    <a:lvl4pPr marL="1371600" algn="l" defTabSz="914400" rtl="0" eaLnBrk="1" latinLnBrk="0" hangingPunct="1">
+      <a:defRPr sz="1200" kern="1200">
+        <a:solidFill>
+          <a:schemeClr val="tx1"/>
+        </a:solidFill>
+        <a:latin typeface="+mn-lt"/>
+        <a:ea typeface="+mn-ea"/>
+        <a:cs typeface="+mn-cs"/>
+      </a:defRPr>
+    </a:lvl4pPr>
+    <a:lvl5pPr marL="1828800" algn="l" defTabSz="914400" rtl="0" eaLnBrk="1" latinLnBrk="0" hangingPunct="1">
+      <a:defRPr sz="1200" kern="1200">
+        <a:solidFill>
+          <a:schemeClr val="tx1"/>
+        </a:solidFill>
+        <a:latin typeface="+mn-lt"/>
+        <a:ea typeface="+mn-ea"/>
+        <a:cs typeface="+mn-cs"/>
+      </a:defRPr>
+    </a:lvl5pPr>
+    <a:lvl6pPr marL="2286000" algn="l" defTabSz="914400" rtl="0" eaLnBrk="1" latinLnBrk="0" hangingPunct="1">
+      <a:defRPr sz="1200" kern="1200">
+        <a:solidFill>
+          <a:schemeClr val="tx1"/>
+        </a:solidFill>
+        <a:latin typeface="+mn-lt"/>
+        <a:ea typeface="+mn-ea"/>
+        <a:cs typeface="+mn-cs"/>
+      </a:defRPr>
+    </a:lvl6pPr>
+    <a:lvl7pPr marL="2743200" algn="l" defTabSz="914400" rtl="0" eaLnBrk="1" latinLnBrk="0" hangingPunct="1">
+      <a:defRPr sz="1200" kern="1200">
+        <a:solidFill>
+          <a:schemeClr val="tx1"/>
+        </a:solidFill>
+        <a:latin typeface="+mn-lt"/>
+        <a:ea typeface="+mn-ea"/>
+        <a:cs typeface="+mn-cs"/>
+      </a:defRPr>
+    </a:lvl7pPr>
+    <a:lvl8pPr marL="3200400" algn="l" defTabSz="914400" rtl="0" eaLnBrk="1" latinLnBrk="0" hangingPunct="1">
+      <a:defRPr sz="1200" kern="1200">
+        <a:solidFill>
+          <a:schemeClr val="tx1"/>
+        </a:solidFill>
+        <a:latin typeface="+mn-lt"/>
+        <a:ea typeface="+mn-ea"/>
+        <a:cs typeface="+mn-cs"/>
+      </a:defRPr>
+    </a:lvl8pPr>
+    <a:lvl9pPr marL="3657600" algn="l" defTabSz="914400" rtl="0" eaLnBrk="1" latinLnBrk="0" hangingPunct="1">
+      <a:defRPr sz="1200" kern="1200">
+        <a:solidFill>
+          <a:schemeClr val="tx1"/>
+        </a:solidFill>
+        <a:latin typeface="+mn-lt"/>
+        <a:ea typeface="+mn-ea"/>
+        <a:cs typeface="+mn-cs"/>
+      </a:defRPr>
+    </a:lvl9pPr>
+  </p:notesStyle>
+</p:notesMaster>
+</file>
+
+<file path=ppt/notesSlides/notesSlide1.xml><?xml version="1.0" encoding="utf-8"?>
+<p:notes xmlns:a="http://schemas.openxmlformats.org/drawingml/2006/main" xmlns:r="http://schemas.openxmlformats.org/officeDocument/2006/relationships" xmlns:p="http://schemas.openxmlformats.org/presentationml/2006/main">
+  <p:cSld>
+    <p:spTree>
+      <p:nvGrpSpPr>
+        <p:cNvPr id="1" name=""/>
+        <p:cNvGrpSpPr/>
+        <p:nvPr/>
+      </p:nvGrpSpPr>
+      <p:grpSpPr>
+        <a:xfrm>
+          <a:off x="0" y="0"/>
+          <a:ext cx="0" cy="0"/>
+          <a:chOff x="0" y="0"/>
+          <a:chExt cx="0" cy="0"/>
+        </a:xfrm>
+      </p:grpSpPr>
+      <p:sp>
+        <p:nvSpPr>
+          <p:cNvPr id="2" name="Espace réservé de l'image des diapositives 1"/>
+          <p:cNvSpPr>
+            <a:spLocks noGrp="1" noRot="1" noChangeAspect="1"/>
+          </p:cNvSpPr>
+          <p:nvPr>
+            <p:ph type="sldImg"/>
+          </p:nvPr>
+        </p:nvSpPr>
+        <p:spPr/>
+      </p:sp>
+      <p:sp>
+        <p:nvSpPr>
+          <p:cNvPr id="3" name="Espace réservé des notes 2"/>
+          <p:cNvSpPr>
+            <a:spLocks noGrp="1"/>
+          </p:cNvSpPr>
+          <p:nvPr>
+            <p:ph type="body" idx="1"/>
+          </p:nvPr>
+        </p:nvSpPr>
+        <p:spPr/>
+        <p:txBody>
+          <a:bodyPr/>
+          <a:lstStyle/>
+          <a:p>
+            <a:endParaRPr lang="fr-FR" dirty="0"/>
+          </a:p>
+        </p:txBody>
+      </p:sp>
+      <p:sp>
+        <p:nvSpPr>
+          <p:cNvPr id="4" name="Espace réservé du numéro de diapositive 3"/>
+          <p:cNvSpPr>
+            <a:spLocks noGrp="1"/>
+          </p:cNvSpPr>
+          <p:nvPr>
+            <p:ph type="sldNum" sz="quarter" idx="10"/>
+          </p:nvPr>
+        </p:nvSpPr>
+        <p:spPr/>
+        <p:txBody>
+          <a:bodyPr/>
+          <a:lstStyle/>
+          <a:p>
+            <a:fld id="{7A0069BE-ED50-4503-B231-940BFC3D5228}" type="slidenum">
+              <a:rPr lang="fr-FR" smtClean="0"/>
+              <a:t>6</a:t>
+            </a:fld>
+            <a:endParaRPr lang="fr-FR" dirty="0"/>
+          </a:p>
+        </p:txBody>
+      </p:sp>
+    </p:spTree>
+    <p:extLst>
+      <p:ext uri="{BB962C8B-B14F-4D97-AF65-F5344CB8AC3E}">
+        <p14:creationId xmlns:p14="http://schemas.microsoft.com/office/powerpoint/2010/main" val="3833766020"/>
+      </p:ext>
+    </p:extLst>
+  </p:cSld>
+  <p:clrMapOvr>
+    <a:masterClrMapping/>
+  </p:clrMapOvr>
+</p:notes>
+</file>
+
+<file path=ppt/notesSlides/notesSlide2.xml><?xml version="1.0" encoding="utf-8"?>
+<p:notes xmlns:a="http://schemas.openxmlformats.org/drawingml/2006/main" xmlns:r="http://schemas.openxmlformats.org/officeDocument/2006/relationships" xmlns:p="http://schemas.openxmlformats.org/presentationml/2006/main">
+  <p:cSld>
+    <p:spTree>
+      <p:nvGrpSpPr>
+        <p:cNvPr id="1" name=""/>
+        <p:cNvGrpSpPr/>
+        <p:nvPr/>
+      </p:nvGrpSpPr>
+      <p:grpSpPr>
+        <a:xfrm>
+          <a:off x="0" y="0"/>
+          <a:ext cx="0" cy="0"/>
+          <a:chOff x="0" y="0"/>
+          <a:chExt cx="0" cy="0"/>
+        </a:xfrm>
+      </p:grpSpPr>
+      <p:sp>
+        <p:nvSpPr>
+          <p:cNvPr id="2" name="Espace réservé de l'image des diapositives 1"/>
+          <p:cNvSpPr>
+            <a:spLocks noGrp="1" noRot="1" noChangeAspect="1"/>
+          </p:cNvSpPr>
+          <p:nvPr>
+            <p:ph type="sldImg"/>
+          </p:nvPr>
+        </p:nvSpPr>
+        <p:spPr/>
+      </p:sp>
+      <p:sp>
+        <p:nvSpPr>
+          <p:cNvPr id="3" name="Espace réservé des notes 2"/>
+          <p:cNvSpPr>
+            <a:spLocks noGrp="1"/>
+          </p:cNvSpPr>
+          <p:nvPr>
+            <p:ph type="body" idx="1"/>
+          </p:nvPr>
+        </p:nvSpPr>
+        <p:spPr/>
+        <p:txBody>
+          <a:bodyPr/>
+          <a:lstStyle/>
+          <a:p>
+            <a:endParaRPr lang="fr-FR" dirty="0"/>
+          </a:p>
+        </p:txBody>
+      </p:sp>
+      <p:sp>
+        <p:nvSpPr>
+          <p:cNvPr id="4" name="Espace réservé du numéro de diapositive 3"/>
+          <p:cNvSpPr>
+            <a:spLocks noGrp="1"/>
+          </p:cNvSpPr>
+          <p:nvPr>
+            <p:ph type="sldNum" sz="quarter" idx="10"/>
+          </p:nvPr>
+        </p:nvSpPr>
+        <p:spPr/>
+        <p:txBody>
+          <a:bodyPr/>
+          <a:lstStyle/>
+          <a:p>
+            <a:fld id="{7A0069BE-ED50-4503-B231-940BFC3D5228}" type="slidenum">
+              <a:rPr lang="fr-FR" smtClean="0"/>
+              <a:t>7</a:t>
+            </a:fld>
+            <a:endParaRPr lang="fr-FR" dirty="0"/>
+          </a:p>
+        </p:txBody>
+      </p:sp>
+    </p:spTree>
+    <p:extLst>
+      <p:ext uri="{BB962C8B-B14F-4D97-AF65-F5344CB8AC3E}">
+        <p14:creationId xmlns:p14="http://schemas.microsoft.com/office/powerpoint/2010/main" val="501767001"/>
+      </p:ext>
+    </p:extLst>
+  </p:cSld>
+  <p:clrMapOvr>
+    <a:masterClrMapping/>
+  </p:clrMapOvr>
+</p:notes>
 </file>
 
 <file path=ppt/slideLayouts/slideLayout1.xml><?xml version="1.0" encoding="utf-8"?>
@@ -836,7 +1361,7 @@
               <a:rPr lang="fr-FR" smtClean="0"/>
               <a:t>18/11/2016</a:t>
             </a:fld>
-            <a:endParaRPr lang="fr-FR"/>
+            <a:endParaRPr lang="fr-FR" dirty="0"/>
           </a:p>
         </p:txBody>
       </p:sp>
@@ -855,7 +1380,7 @@
           <a:bodyPr/>
           <a:lstStyle/>
           <a:p>
-            <a:endParaRPr lang="fr-FR"/>
+            <a:endParaRPr lang="fr-FR" dirty="0"/>
           </a:p>
         </p:txBody>
       </p:sp>
@@ -878,7 +1403,7 @@
               <a:rPr lang="fr-FR" smtClean="0"/>
               <a:t>‹N°›</a:t>
             </a:fld>
-            <a:endParaRPr lang="fr-FR"/>
+            <a:endParaRPr lang="fr-FR" dirty="0"/>
           </a:p>
         </p:txBody>
       </p:sp>
@@ -1087,7 +1612,7 @@
               <a:rPr lang="fr-FR" smtClean="0"/>
               <a:t>18/11/2016</a:t>
             </a:fld>
-            <a:endParaRPr lang="fr-FR"/>
+            <a:endParaRPr lang="fr-FR" dirty="0"/>
           </a:p>
         </p:txBody>
       </p:sp>
@@ -1106,7 +1631,7 @@
           <a:bodyPr/>
           <a:lstStyle/>
           <a:p>
-            <a:endParaRPr lang="fr-FR"/>
+            <a:endParaRPr lang="fr-FR" dirty="0"/>
           </a:p>
         </p:txBody>
       </p:sp>
@@ -1129,7 +1654,7 @@
               <a:rPr lang="fr-FR" smtClean="0"/>
               <a:t>‹N°›</a:t>
             </a:fld>
-            <a:endParaRPr lang="fr-FR"/>
+            <a:endParaRPr lang="fr-FR" dirty="0"/>
           </a:p>
         </p:txBody>
       </p:sp>
@@ -1401,7 +1926,7 @@
               <a:rPr lang="fr-FR" smtClean="0"/>
               <a:t>18/11/2016</a:t>
             </a:fld>
-            <a:endParaRPr lang="fr-FR"/>
+            <a:endParaRPr lang="fr-FR" dirty="0"/>
           </a:p>
         </p:txBody>
       </p:sp>
@@ -1420,7 +1945,7 @@
           <a:bodyPr/>
           <a:lstStyle/>
           <a:p>
-            <a:endParaRPr lang="fr-FR"/>
+            <a:endParaRPr lang="fr-FR" dirty="0"/>
           </a:p>
         </p:txBody>
       </p:sp>
@@ -1443,7 +1968,7 @@
               <a:rPr lang="fr-FR" smtClean="0"/>
               <a:t>‹N°›</a:t>
             </a:fld>
-            <a:endParaRPr lang="fr-FR"/>
+            <a:endParaRPr lang="fr-FR" dirty="0"/>
           </a:p>
         </p:txBody>
       </p:sp>
@@ -1742,7 +2267,7 @@
               <a:rPr lang="fr-FR" smtClean="0"/>
               <a:t>18/11/2016</a:t>
             </a:fld>
-            <a:endParaRPr lang="fr-FR"/>
+            <a:endParaRPr lang="fr-FR" dirty="0"/>
           </a:p>
         </p:txBody>
       </p:sp>
@@ -1761,7 +2286,7 @@
           <a:bodyPr/>
           <a:lstStyle/>
           <a:p>
-            <a:endParaRPr lang="fr-FR"/>
+            <a:endParaRPr lang="fr-FR" dirty="0"/>
           </a:p>
         </p:txBody>
       </p:sp>
@@ -1784,7 +2309,7 @@
               <a:rPr lang="fr-FR" smtClean="0"/>
               <a:t>‹N°›</a:t>
             </a:fld>
-            <a:endParaRPr lang="fr-FR"/>
+            <a:endParaRPr lang="fr-FR" dirty="0"/>
           </a:p>
         </p:txBody>
       </p:sp>
@@ -2056,7 +2581,7 @@
               <a:rPr lang="fr-FR" smtClean="0"/>
               <a:t>18/11/2016</a:t>
             </a:fld>
-            <a:endParaRPr lang="fr-FR"/>
+            <a:endParaRPr lang="fr-FR" dirty="0"/>
           </a:p>
         </p:txBody>
       </p:sp>
@@ -2075,7 +2600,7 @@
           <a:bodyPr/>
           <a:lstStyle/>
           <a:p>
-            <a:endParaRPr lang="fr-FR"/>
+            <a:endParaRPr lang="fr-FR" dirty="0"/>
           </a:p>
         </p:txBody>
       </p:sp>
@@ -2098,7 +2623,7 @@
               <a:rPr lang="fr-FR" smtClean="0"/>
               <a:t>‹N°›</a:t>
             </a:fld>
-            <a:endParaRPr lang="fr-FR"/>
+            <a:endParaRPr lang="fr-FR" dirty="0"/>
           </a:p>
         </p:txBody>
       </p:sp>
@@ -2449,7 +2974,7 @@
               <a:rPr lang="fr-FR" smtClean="0"/>
               <a:t>18/11/2016</a:t>
             </a:fld>
-            <a:endParaRPr lang="fr-FR"/>
+            <a:endParaRPr lang="fr-FR" dirty="0"/>
           </a:p>
         </p:txBody>
       </p:sp>
@@ -2468,7 +2993,7 @@
           <a:bodyPr/>
           <a:lstStyle/>
           <a:p>
-            <a:endParaRPr lang="fr-FR"/>
+            <a:endParaRPr lang="fr-FR" dirty="0"/>
           </a:p>
         </p:txBody>
       </p:sp>
@@ -2491,7 +3016,7 @@
               <a:rPr lang="fr-FR" smtClean="0"/>
               <a:t>‹N°›</a:t>
             </a:fld>
-            <a:endParaRPr lang="fr-FR"/>
+            <a:endParaRPr lang="fr-FR" dirty="0"/>
           </a:p>
         </p:txBody>
       </p:sp>
@@ -2619,7 +3144,7 @@
               <a:rPr lang="fr-FR" smtClean="0"/>
               <a:t>18/11/2016</a:t>
             </a:fld>
-            <a:endParaRPr lang="fr-FR"/>
+            <a:endParaRPr lang="fr-FR" dirty="0"/>
           </a:p>
         </p:txBody>
       </p:sp>
@@ -2638,7 +3163,7 @@
           <a:bodyPr/>
           <a:lstStyle/>
           <a:p>
-            <a:endParaRPr lang="fr-FR"/>
+            <a:endParaRPr lang="fr-FR" dirty="0"/>
           </a:p>
         </p:txBody>
       </p:sp>
@@ -2661,7 +3186,7 @@
               <a:rPr lang="fr-FR" smtClean="0"/>
               <a:t>‹N°›</a:t>
             </a:fld>
-            <a:endParaRPr lang="fr-FR"/>
+            <a:endParaRPr lang="fr-FR" dirty="0"/>
           </a:p>
         </p:txBody>
       </p:sp>
@@ -2799,7 +3324,7 @@
               <a:rPr lang="fr-FR" smtClean="0"/>
               <a:t>18/11/2016</a:t>
             </a:fld>
-            <a:endParaRPr lang="fr-FR"/>
+            <a:endParaRPr lang="fr-FR" dirty="0"/>
           </a:p>
         </p:txBody>
       </p:sp>
@@ -2818,7 +3343,7 @@
           <a:bodyPr/>
           <a:lstStyle/>
           <a:p>
-            <a:endParaRPr lang="fr-FR"/>
+            <a:endParaRPr lang="fr-FR" dirty="0"/>
           </a:p>
         </p:txBody>
       </p:sp>
@@ -2841,7 +3366,7 @@
               <a:rPr lang="fr-FR" smtClean="0"/>
               <a:t>‹N°›</a:t>
             </a:fld>
-            <a:endParaRPr lang="fr-FR"/>
+            <a:endParaRPr lang="fr-FR" dirty="0"/>
           </a:p>
         </p:txBody>
       </p:sp>
@@ -2975,7 +3500,7 @@
               <a:rPr lang="fr-FR" smtClean="0"/>
               <a:t>18/11/2016</a:t>
             </a:fld>
-            <a:endParaRPr lang="fr-FR"/>
+            <a:endParaRPr lang="fr-FR" dirty="0"/>
           </a:p>
         </p:txBody>
       </p:sp>
@@ -2994,7 +3519,7 @@
           <a:bodyPr/>
           <a:lstStyle/>
           <a:p>
-            <a:endParaRPr lang="fr-FR"/>
+            <a:endParaRPr lang="fr-FR" dirty="0"/>
           </a:p>
         </p:txBody>
       </p:sp>
@@ -3017,7 +3542,7 @@
               <a:rPr lang="fr-FR" smtClean="0"/>
               <a:t>‹N°›</a:t>
             </a:fld>
-            <a:endParaRPr lang="fr-FR"/>
+            <a:endParaRPr lang="fr-FR" dirty="0"/>
           </a:p>
         </p:txBody>
       </p:sp>
@@ -3222,7 +3747,7 @@
               <a:rPr lang="fr-FR" smtClean="0"/>
               <a:t>18/11/2016</a:t>
             </a:fld>
-            <a:endParaRPr lang="fr-FR"/>
+            <a:endParaRPr lang="fr-FR" dirty="0"/>
           </a:p>
         </p:txBody>
       </p:sp>
@@ -3241,7 +3766,7 @@
           <a:bodyPr/>
           <a:lstStyle/>
           <a:p>
-            <a:endParaRPr lang="fr-FR"/>
+            <a:endParaRPr lang="fr-FR" dirty="0"/>
           </a:p>
         </p:txBody>
       </p:sp>
@@ -3264,7 +3789,7 @@
               <a:rPr lang="fr-FR" smtClean="0"/>
               <a:t>‹N°›</a:t>
             </a:fld>
-            <a:endParaRPr lang="fr-FR"/>
+            <a:endParaRPr lang="fr-FR" dirty="0"/>
           </a:p>
         </p:txBody>
       </p:sp>
@@ -3454,7 +3979,7 @@
               <a:rPr lang="fr-FR" smtClean="0"/>
               <a:t>18/11/2016</a:t>
             </a:fld>
-            <a:endParaRPr lang="fr-FR"/>
+            <a:endParaRPr lang="fr-FR" dirty="0"/>
           </a:p>
         </p:txBody>
       </p:sp>
@@ -3473,7 +3998,7 @@
           <a:bodyPr/>
           <a:lstStyle/>
           <a:p>
-            <a:endParaRPr lang="fr-FR"/>
+            <a:endParaRPr lang="fr-FR" dirty="0"/>
           </a:p>
         </p:txBody>
       </p:sp>
@@ -3496,7 +4021,7 @@
               <a:rPr lang="fr-FR" smtClean="0"/>
               <a:t>‹N°›</a:t>
             </a:fld>
-            <a:endParaRPr lang="fr-FR"/>
+            <a:endParaRPr lang="fr-FR" dirty="0"/>
           </a:p>
         </p:txBody>
       </p:sp>
@@ -3828,7 +4353,7 @@
               <a:rPr lang="fr-FR" smtClean="0"/>
               <a:t>18/11/2016</a:t>
             </a:fld>
-            <a:endParaRPr lang="fr-FR"/>
+            <a:endParaRPr lang="fr-FR" dirty="0"/>
           </a:p>
         </p:txBody>
       </p:sp>
@@ -3847,7 +4372,7 @@
           <a:bodyPr/>
           <a:lstStyle/>
           <a:p>
-            <a:endParaRPr lang="fr-FR"/>
+            <a:endParaRPr lang="fr-FR" dirty="0"/>
           </a:p>
         </p:txBody>
       </p:sp>
@@ -3870,7 +4395,7 @@
               <a:rPr lang="fr-FR" smtClean="0"/>
               <a:t>‹N°›</a:t>
             </a:fld>
-            <a:endParaRPr lang="fr-FR"/>
+            <a:endParaRPr lang="fr-FR" dirty="0"/>
           </a:p>
         </p:txBody>
       </p:sp>
@@ -3951,7 +4476,7 @@
               <a:rPr lang="fr-FR" smtClean="0"/>
               <a:t>18/11/2016</a:t>
             </a:fld>
-            <a:endParaRPr lang="fr-FR"/>
+            <a:endParaRPr lang="fr-FR" dirty="0"/>
           </a:p>
         </p:txBody>
       </p:sp>
@@ -3970,7 +4495,7 @@
           <a:bodyPr/>
           <a:lstStyle/>
           <a:p>
-            <a:endParaRPr lang="fr-FR"/>
+            <a:endParaRPr lang="fr-FR" dirty="0"/>
           </a:p>
         </p:txBody>
       </p:sp>
@@ -3993,7 +4518,7 @@
               <a:rPr lang="fr-FR" smtClean="0"/>
               <a:t>‹N°›</a:t>
             </a:fld>
-            <a:endParaRPr lang="fr-FR"/>
+            <a:endParaRPr lang="fr-FR" dirty="0"/>
           </a:p>
         </p:txBody>
       </p:sp>
@@ -4046,7 +4571,7 @@
               <a:rPr lang="fr-FR" smtClean="0"/>
               <a:t>18/11/2016</a:t>
             </a:fld>
-            <a:endParaRPr lang="fr-FR"/>
+            <a:endParaRPr lang="fr-FR" dirty="0"/>
           </a:p>
         </p:txBody>
       </p:sp>
@@ -4065,7 +4590,7 @@
           <a:bodyPr/>
           <a:lstStyle/>
           <a:p>
-            <a:endParaRPr lang="fr-FR"/>
+            <a:endParaRPr lang="fr-FR" dirty="0"/>
           </a:p>
         </p:txBody>
       </p:sp>
@@ -4088,7 +4613,7 @@
               <a:rPr lang="fr-FR" smtClean="0"/>
               <a:t>‹N°›</a:t>
             </a:fld>
-            <a:endParaRPr lang="fr-FR"/>
+            <a:endParaRPr lang="fr-FR" dirty="0"/>
           </a:p>
         </p:txBody>
       </p:sp>
@@ -4301,7 +4826,7 @@
               <a:rPr lang="fr-FR" smtClean="0"/>
               <a:t>18/11/2016</a:t>
             </a:fld>
-            <a:endParaRPr lang="fr-FR"/>
+            <a:endParaRPr lang="fr-FR" dirty="0"/>
           </a:p>
         </p:txBody>
       </p:sp>
@@ -4320,7 +4845,7 @@
           <a:bodyPr/>
           <a:lstStyle/>
           <a:p>
-            <a:endParaRPr lang="fr-FR"/>
+            <a:endParaRPr lang="fr-FR" dirty="0"/>
           </a:p>
         </p:txBody>
       </p:sp>
@@ -4343,7 +4868,7 @@
               <a:rPr lang="fr-FR" smtClean="0"/>
               <a:t>‹N°›</a:t>
             </a:fld>
-            <a:endParaRPr lang="fr-FR"/>
+            <a:endParaRPr lang="fr-FR" dirty="0"/>
           </a:p>
         </p:txBody>
       </p:sp>
@@ -4471,7 +4996,7 @@
           </a:lstStyle>
           <a:p>
             <a:r>
-              <a:rPr lang="fr-FR"/>
+              <a:rPr lang="fr-FR" dirty="0"/>
               <a:t>Cliquez sur l'icône pour ajouter une image</a:t>
             </a:r>
             <a:endParaRPr lang="en-US" dirty="0"/>
@@ -4564,7 +5089,7 @@
               <a:rPr lang="fr-FR" smtClean="0"/>
               <a:t>18/11/2016</a:t>
             </a:fld>
-            <a:endParaRPr lang="fr-FR"/>
+            <a:endParaRPr lang="fr-FR" dirty="0"/>
           </a:p>
         </p:txBody>
       </p:sp>
@@ -4583,7 +5108,7 @@
           <a:bodyPr/>
           <a:lstStyle/>
           <a:p>
-            <a:endParaRPr lang="fr-FR"/>
+            <a:endParaRPr lang="fr-FR" dirty="0"/>
           </a:p>
         </p:txBody>
       </p:sp>
@@ -4606,7 +5131,7 @@
               <a:rPr lang="fr-FR" smtClean="0"/>
               <a:t>‹N°›</a:t>
             </a:fld>
-            <a:endParaRPr lang="fr-FR"/>
+            <a:endParaRPr lang="fr-FR" dirty="0"/>
           </a:p>
         </p:txBody>
       </p:sp>
@@ -5307,7 +5832,7 @@
               <a:rPr lang="fr-FR" smtClean="0"/>
               <a:t>18/11/2016</a:t>
             </a:fld>
-            <a:endParaRPr lang="fr-FR"/>
+            <a:endParaRPr lang="fr-FR" dirty="0"/>
           </a:p>
         </p:txBody>
       </p:sp>
@@ -5344,7 +5869,7 @@
             </a:lvl1pPr>
           </a:lstStyle>
           <a:p>
-            <a:endParaRPr lang="fr-FR"/>
+            <a:endParaRPr lang="fr-FR" dirty="0"/>
           </a:p>
         </p:txBody>
       </p:sp>
@@ -5383,7 +5908,7 @@
               <a:rPr lang="fr-FR" smtClean="0"/>
               <a:t>‹N°›</a:t>
             </a:fld>
-            <a:endParaRPr lang="fr-FR"/>
+            <a:endParaRPr lang="fr-FR" dirty="0"/>
           </a:p>
         </p:txBody>
       </p:sp>
@@ -5988,6 +6513,67 @@
 </p:sld>
 </file>
 
+<file path=ppt/slides/slide10.xml><?xml version="1.0" encoding="utf-8"?>
+<p:sld xmlns:a="http://schemas.openxmlformats.org/drawingml/2006/main" xmlns:r="http://schemas.openxmlformats.org/officeDocument/2006/relationships" xmlns:p="http://schemas.openxmlformats.org/presentationml/2006/main">
+  <p:cSld>
+    <p:spTree>
+      <p:nvGrpSpPr>
+        <p:cNvPr id="1" name=""/>
+        <p:cNvGrpSpPr/>
+        <p:nvPr/>
+      </p:nvGrpSpPr>
+      <p:grpSpPr>
+        <a:xfrm>
+          <a:off x="0" y="0"/>
+          <a:ext cx="0" cy="0"/>
+          <a:chOff x="0" y="0"/>
+          <a:chExt cx="0" cy="0"/>
+        </a:xfrm>
+      </p:grpSpPr>
+      <p:sp>
+        <p:nvSpPr>
+          <p:cNvPr id="2" name="Titre 1"/>
+          <p:cNvSpPr>
+            <a:spLocks noGrp="1"/>
+          </p:cNvSpPr>
+          <p:nvPr>
+            <p:ph type="title"/>
+          </p:nvPr>
+        </p:nvSpPr>
+        <p:spPr>
+          <a:xfrm>
+            <a:off x="0" y="2475722"/>
+            <a:ext cx="9909110" cy="1320800"/>
+          </a:xfrm>
+        </p:spPr>
+        <p:txBody>
+          <a:bodyPr>
+            <a:normAutofit/>
+          </a:bodyPr>
+          <a:lstStyle/>
+          <a:p>
+            <a:pPr algn="ctr"/>
+            <a:r>
+              <a:rPr lang="fr-FR" sz="4800" b="1" dirty="0"/>
+              <a:t>Bilan Projet</a:t>
+            </a:r>
+            <a:endParaRPr lang="fr-FR" sz="4800" dirty="0"/>
+          </a:p>
+        </p:txBody>
+      </p:sp>
+    </p:spTree>
+    <p:extLst>
+      <p:ext uri="{BB962C8B-B14F-4D97-AF65-F5344CB8AC3E}">
+        <p14:creationId xmlns:p14="http://schemas.microsoft.com/office/powerpoint/2010/main" val="458141493"/>
+      </p:ext>
+    </p:extLst>
+  </p:cSld>
+  <p:clrMapOvr>
+    <a:masterClrMapping/>
+  </p:clrMapOvr>
+</p:sld>
+</file>
+
 <file path=ppt/slides/slide2.xml><?xml version="1.0" encoding="utf-8"?>
 <p:sld xmlns:a="http://schemas.openxmlformats.org/drawingml/2006/main" xmlns:r="http://schemas.openxmlformats.org/officeDocument/2006/relationships" xmlns:p="http://schemas.openxmlformats.org/presentationml/2006/main">
   <p:cSld>
@@ -6398,14 +6984,14 @@
           <a:p>
             <a:pPr algn="ctr"/>
             <a:r>
-              <a:rPr lang="fr-FR" sz="4400" b="1"/>
+              <a:rPr lang="fr-FR" sz="4400" b="1" dirty="0"/>
               <a:t>Expérimentation</a:t>
             </a:r>
             <a:br>
               <a:rPr lang="fr-FR" sz="4400" b="1" dirty="0"/>
             </a:br>
             <a:r>
-              <a:rPr lang="fr-FR" sz="4400" b="1"/>
+              <a:rPr lang="fr-FR" sz="4400" b="1" dirty="0"/>
               <a:t>Expérience 1</a:t>
             </a:r>
             <a:br>
@@ -6417,7 +7003,7 @@
       </p:sp>
       <p:pic>
         <p:nvPicPr>
-          <p:cNvPr id="6" name="Image 5"/>
+          <p:cNvPr id="7" name="Image 6"/>
           <p:cNvPicPr>
             <a:picLocks noChangeAspect="1"/>
           </p:cNvPicPr>
@@ -6431,8 +7017,8 @@
         </p:blipFill>
         <p:spPr>
           <a:xfrm>
-            <a:off x="532926" y="1930400"/>
-            <a:ext cx="8885484" cy="2048213"/>
+            <a:off x="1493166" y="3978613"/>
+            <a:ext cx="7252000" cy="2629302"/>
           </a:xfrm>
           <a:prstGeom prst="rect">
             <a:avLst/>
@@ -6441,7 +7027,7 @@
       </p:pic>
       <p:pic>
         <p:nvPicPr>
-          <p:cNvPr id="7" name="Image 6"/>
+          <p:cNvPr id="8" name="Image 7"/>
           <p:cNvPicPr>
             <a:picLocks noChangeAspect="1"/>
           </p:cNvPicPr>
@@ -6455,8 +7041,8 @@
         </p:blipFill>
         <p:spPr>
           <a:xfrm>
-            <a:off x="1493166" y="3978613"/>
-            <a:ext cx="7252000" cy="2629302"/>
+            <a:off x="335901" y="1930400"/>
+            <a:ext cx="9377265" cy="2048213"/>
           </a:xfrm>
           <a:prstGeom prst="rect">
             <a:avLst/>
@@ -6525,7 +7111,7 @@
             </a:br>
             <a:r>
               <a:rPr lang="fr-FR" sz="4400" b="1" dirty="0"/>
-              <a:t>Expérience 1</a:t>
+              <a:t>Expérience 2</a:t>
             </a:r>
             <a:br>
               <a:rPr lang="fr-FR" b="1" dirty="0"/>
@@ -6537,6 +7123,251 @@
       <p:pic>
         <p:nvPicPr>
           <p:cNvPr id="6" name="Image 5"/>
+          <p:cNvPicPr/>
+          <p:nvPr/>
+        </p:nvPicPr>
+        <p:blipFill>
+          <a:blip r:embed="rId3"/>
+          <a:stretch>
+            <a:fillRect/>
+          </a:stretch>
+        </p:blipFill>
+        <p:spPr>
+          <a:xfrm>
+            <a:off x="2969335" y="1930401"/>
+            <a:ext cx="6304667" cy="4421762"/>
+          </a:xfrm>
+          <a:prstGeom prst="rect">
+            <a:avLst/>
+          </a:prstGeom>
+        </p:spPr>
+      </p:pic>
+      <p:pic>
+        <p:nvPicPr>
+          <p:cNvPr id="7" name="Image 6"/>
+          <p:cNvPicPr/>
+          <p:nvPr/>
+        </p:nvPicPr>
+        <p:blipFill>
+          <a:blip r:embed="rId4"/>
+          <a:stretch>
+            <a:fillRect/>
+          </a:stretch>
+        </p:blipFill>
+        <p:spPr>
+          <a:xfrm>
+            <a:off x="227919" y="1930400"/>
+            <a:ext cx="2644140" cy="754380"/>
+          </a:xfrm>
+          <a:prstGeom prst="rect">
+            <a:avLst/>
+          </a:prstGeom>
+        </p:spPr>
+      </p:pic>
+    </p:spTree>
+    <p:extLst>
+      <p:ext uri="{BB962C8B-B14F-4D97-AF65-F5344CB8AC3E}">
+        <p14:creationId xmlns:p14="http://schemas.microsoft.com/office/powerpoint/2010/main" val="3671568694"/>
+      </p:ext>
+    </p:extLst>
+  </p:cSld>
+  <p:clrMapOvr>
+    <a:masterClrMapping/>
+  </p:clrMapOvr>
+</p:sld>
+</file>
+
+<file path=ppt/slides/slide7.xml><?xml version="1.0" encoding="utf-8"?>
+<p:sld xmlns:a="http://schemas.openxmlformats.org/drawingml/2006/main" xmlns:r="http://schemas.openxmlformats.org/officeDocument/2006/relationships" xmlns:p="http://schemas.openxmlformats.org/presentationml/2006/main">
+  <p:cSld>
+    <p:spTree>
+      <p:nvGrpSpPr>
+        <p:cNvPr id="1" name=""/>
+        <p:cNvGrpSpPr/>
+        <p:nvPr/>
+      </p:nvGrpSpPr>
+      <p:grpSpPr>
+        <a:xfrm>
+          <a:off x="0" y="0"/>
+          <a:ext cx="0" cy="0"/>
+          <a:chOff x="0" y="0"/>
+          <a:chExt cx="0" cy="0"/>
+        </a:xfrm>
+      </p:grpSpPr>
+      <p:sp>
+        <p:nvSpPr>
+          <p:cNvPr id="2" name="Titre 1"/>
+          <p:cNvSpPr>
+            <a:spLocks noGrp="1"/>
+          </p:cNvSpPr>
+          <p:nvPr>
+            <p:ph type="title"/>
+          </p:nvPr>
+        </p:nvSpPr>
+        <p:spPr>
+          <a:xfrm>
+            <a:off x="677334" y="609600"/>
+            <a:ext cx="8596668" cy="1320800"/>
+          </a:xfrm>
+        </p:spPr>
+        <p:txBody>
+          <a:bodyPr>
+            <a:normAutofit fontScale="90000"/>
+          </a:bodyPr>
+          <a:lstStyle/>
+          <a:p>
+            <a:pPr algn="ctr"/>
+            <a:r>
+              <a:rPr lang="fr-FR" sz="4400" b="1" dirty="0"/>
+              <a:t>Expérimentation</a:t>
+            </a:r>
+            <a:br>
+              <a:rPr lang="fr-FR" sz="4400" b="1" dirty="0"/>
+            </a:br>
+            <a:r>
+              <a:rPr lang="fr-FR" sz="4400" b="1" dirty="0"/>
+              <a:t>Expérience 2</a:t>
+            </a:r>
+            <a:br>
+              <a:rPr lang="fr-FR" b="1" dirty="0"/>
+            </a:br>
+            <a:endParaRPr lang="fr-FR" dirty="0"/>
+          </a:p>
+        </p:txBody>
+      </p:sp>
+      <p:pic>
+        <p:nvPicPr>
+          <p:cNvPr id="4" name="Image 3"/>
+          <p:cNvPicPr/>
+          <p:nvPr/>
+        </p:nvPicPr>
+        <p:blipFill>
+          <a:blip r:embed="rId3"/>
+          <a:stretch>
+            <a:fillRect/>
+          </a:stretch>
+        </p:blipFill>
+        <p:spPr>
+          <a:xfrm>
+            <a:off x="747490" y="2007937"/>
+            <a:ext cx="4549140" cy="2239010"/>
+          </a:xfrm>
+          <a:prstGeom prst="rect">
+            <a:avLst/>
+          </a:prstGeom>
+        </p:spPr>
+      </p:pic>
+      <p:pic>
+        <p:nvPicPr>
+          <p:cNvPr id="5" name="Image 4"/>
+          <p:cNvPicPr/>
+          <p:nvPr/>
+        </p:nvPicPr>
+        <p:blipFill>
+          <a:blip r:embed="rId4"/>
+          <a:stretch>
+            <a:fillRect/>
+          </a:stretch>
+        </p:blipFill>
+        <p:spPr>
+          <a:xfrm>
+            <a:off x="5296630" y="2105727"/>
+            <a:ext cx="4263390" cy="2141220"/>
+          </a:xfrm>
+          <a:prstGeom prst="rect">
+            <a:avLst/>
+          </a:prstGeom>
+        </p:spPr>
+      </p:pic>
+      <p:pic>
+        <p:nvPicPr>
+          <p:cNvPr id="7" name="Image 6"/>
+          <p:cNvPicPr/>
+          <p:nvPr/>
+        </p:nvPicPr>
+        <p:blipFill>
+          <a:blip r:embed="rId5"/>
+          <a:stretch>
+            <a:fillRect/>
+          </a:stretch>
+        </p:blipFill>
+        <p:spPr>
+          <a:xfrm>
+            <a:off x="2743008" y="4344737"/>
+            <a:ext cx="4465320" cy="2292985"/>
+          </a:xfrm>
+          <a:prstGeom prst="rect">
+            <a:avLst/>
+          </a:prstGeom>
+        </p:spPr>
+      </p:pic>
+    </p:spTree>
+    <p:extLst>
+      <p:ext uri="{BB962C8B-B14F-4D97-AF65-F5344CB8AC3E}">
+        <p14:creationId xmlns:p14="http://schemas.microsoft.com/office/powerpoint/2010/main" val="1549901689"/>
+      </p:ext>
+    </p:extLst>
+  </p:cSld>
+  <p:clrMapOvr>
+    <a:masterClrMapping/>
+  </p:clrMapOvr>
+</p:sld>
+</file>
+
+<file path=ppt/slides/slide8.xml><?xml version="1.0" encoding="utf-8"?>
+<p:sld xmlns:a="http://schemas.openxmlformats.org/drawingml/2006/main" xmlns:r="http://schemas.openxmlformats.org/officeDocument/2006/relationships" xmlns:p="http://schemas.openxmlformats.org/presentationml/2006/main">
+  <p:cSld>
+    <p:spTree>
+      <p:nvGrpSpPr>
+        <p:cNvPr id="1" name=""/>
+        <p:cNvGrpSpPr/>
+        <p:nvPr/>
+      </p:nvGrpSpPr>
+      <p:grpSpPr>
+        <a:xfrm>
+          <a:off x="0" y="0"/>
+          <a:ext cx="0" cy="0"/>
+          <a:chOff x="0" y="0"/>
+          <a:chExt cx="0" cy="0"/>
+        </a:xfrm>
+      </p:grpSpPr>
+      <p:sp>
+        <p:nvSpPr>
+          <p:cNvPr id="2" name="Titre 1"/>
+          <p:cNvSpPr>
+            <a:spLocks noGrp="1"/>
+          </p:cNvSpPr>
+          <p:nvPr>
+            <p:ph type="title"/>
+          </p:nvPr>
+        </p:nvSpPr>
+        <p:spPr>
+          <a:xfrm>
+            <a:off x="677334" y="609600"/>
+            <a:ext cx="8596668" cy="1320800"/>
+          </a:xfrm>
+        </p:spPr>
+        <p:txBody>
+          <a:bodyPr>
+            <a:normAutofit/>
+          </a:bodyPr>
+          <a:lstStyle/>
+          <a:p>
+            <a:pPr algn="ctr"/>
+            <a:r>
+              <a:rPr lang="fr-FR" sz="4400" b="1" dirty="0"/>
+              <a:t>Explication circuit/composant</a:t>
+            </a:r>
+            <a:br>
+              <a:rPr lang="fr-FR" b="1" dirty="0"/>
+            </a:br>
+            <a:endParaRPr lang="fr-FR" dirty="0"/>
+          </a:p>
+        </p:txBody>
+      </p:sp>
+      <p:pic>
+        <p:nvPicPr>
+          <p:cNvPr id="7" name="Image 6"/>
           <p:cNvPicPr/>
           <p:nvPr/>
         </p:nvPicPr>
@@ -6548,8 +7379,8 @@
         </p:blipFill>
         <p:spPr>
           <a:xfrm>
-            <a:off x="1647265" y="1930400"/>
-            <a:ext cx="6656806" cy="4563849"/>
+            <a:off x="1702310" y="1930400"/>
+            <a:ext cx="6546715" cy="4453836"/>
           </a:xfrm>
           <a:prstGeom prst="rect">
             <a:avLst/>
@@ -6559,7 +7390,107 @@
     </p:spTree>
     <p:extLst>
       <p:ext uri="{BB962C8B-B14F-4D97-AF65-F5344CB8AC3E}">
-        <p14:creationId xmlns:p14="http://schemas.microsoft.com/office/powerpoint/2010/main" val="3671568694"/>
+        <p14:creationId xmlns:p14="http://schemas.microsoft.com/office/powerpoint/2010/main" val="498827884"/>
+      </p:ext>
+    </p:extLst>
+  </p:cSld>
+  <p:clrMapOvr>
+    <a:masterClrMapping/>
+  </p:clrMapOvr>
+</p:sld>
+</file>
+
+<file path=ppt/slides/slide9.xml><?xml version="1.0" encoding="utf-8"?>
+<p:sld xmlns:a="http://schemas.openxmlformats.org/drawingml/2006/main" xmlns:r="http://schemas.openxmlformats.org/officeDocument/2006/relationships" xmlns:p="http://schemas.openxmlformats.org/presentationml/2006/main">
+  <p:cSld>
+    <p:spTree>
+      <p:nvGrpSpPr>
+        <p:cNvPr id="1" name=""/>
+        <p:cNvGrpSpPr/>
+        <p:nvPr/>
+      </p:nvGrpSpPr>
+      <p:grpSpPr>
+        <a:xfrm>
+          <a:off x="0" y="0"/>
+          <a:ext cx="0" cy="0"/>
+          <a:chOff x="0" y="0"/>
+          <a:chExt cx="0" cy="0"/>
+        </a:xfrm>
+      </p:grpSpPr>
+      <p:sp>
+        <p:nvSpPr>
+          <p:cNvPr id="2" name="Titre 1"/>
+          <p:cNvSpPr>
+            <a:spLocks noGrp="1"/>
+          </p:cNvSpPr>
+          <p:nvPr>
+            <p:ph type="title"/>
+          </p:nvPr>
+        </p:nvSpPr>
+        <p:spPr>
+          <a:xfrm>
+            <a:off x="677334" y="609600"/>
+            <a:ext cx="8596668" cy="1320800"/>
+          </a:xfrm>
+        </p:spPr>
+        <p:txBody>
+          <a:bodyPr>
+            <a:normAutofit fontScale="90000"/>
+          </a:bodyPr>
+          <a:lstStyle/>
+          <a:p>
+            <a:pPr algn="ctr"/>
+            <a:r>
+              <a:rPr lang="fr-FR" sz="4400" b="1" dirty="0"/>
+              <a:t>Présentation Prototype</a:t>
+            </a:r>
+            <a:br>
+              <a:rPr lang="fr-FR" sz="4400" b="1" dirty="0"/>
+            </a:br>
+            <a:br>
+              <a:rPr lang="fr-FR" b="1" dirty="0"/>
+            </a:br>
+            <a:endParaRPr lang="fr-FR" dirty="0"/>
+          </a:p>
+        </p:txBody>
+      </p:sp>
+      <p:pic>
+        <p:nvPicPr>
+          <p:cNvPr id="4" name="Image 3" descr="C:\Users\Vaubourg\AppData\Local\Microsoft\Windows\INetCacheContent.Word\20161116_111309.jpg"/>
+          <p:cNvPicPr/>
+          <p:nvPr/>
+        </p:nvPicPr>
+        <p:blipFill>
+          <a:blip r:embed="rId2" cstate="print">
+            <a:extLst>
+              <a:ext uri="{28A0092B-C50C-407E-A947-70E740481C1C}">
+                <a14:useLocalDpi xmlns:a14="http://schemas.microsoft.com/office/drawing/2010/main" val="0"/>
+              </a:ext>
+            </a:extLst>
+          </a:blip>
+          <a:srcRect/>
+          <a:stretch>
+            <a:fillRect/>
+          </a:stretch>
+        </p:blipFill>
+        <p:spPr bwMode="auto">
+          <a:xfrm>
+            <a:off x="1176138" y="1573943"/>
+            <a:ext cx="7599059" cy="4388318"/>
+          </a:xfrm>
+          <a:prstGeom prst="rect">
+            <a:avLst/>
+          </a:prstGeom>
+          <a:noFill/>
+          <a:ln>
+            <a:noFill/>
+          </a:ln>
+        </p:spPr>
+      </p:pic>
+    </p:spTree>
+    <p:extLst>
+      <p:ext uri="{BB962C8B-B14F-4D97-AF65-F5344CB8AC3E}">
+        <p14:creationId xmlns:p14="http://schemas.microsoft.com/office/powerpoint/2010/main" val="4115951117"/>
       </p:ext>
     </p:extLst>
   </p:cSld>
@@ -6824,4 +7755,299 @@
     </a:ext>
   </a:extLst>
 </a:theme>
+</file>
+
+<file path=ppt/theme/theme2.xml><?xml version="1.0" encoding="utf-8"?>
+<a:theme xmlns:a="http://schemas.openxmlformats.org/drawingml/2006/main" name="Thème Office">
+  <a:themeElements>
+    <a:clrScheme name="Office">
+      <a:dk1>
+        <a:sysClr val="windowText" lastClr="000000"/>
+      </a:dk1>
+      <a:lt1>
+        <a:sysClr val="window" lastClr="FFFFFF"/>
+      </a:lt1>
+      <a:dk2>
+        <a:srgbClr val="44546A"/>
+      </a:dk2>
+      <a:lt2>
+        <a:srgbClr val="E7E6E6"/>
+      </a:lt2>
+      <a:accent1>
+        <a:srgbClr val="5B9BD5"/>
+      </a:accent1>
+      <a:accent2>
+        <a:srgbClr val="ED7D31"/>
+      </a:accent2>
+      <a:accent3>
+        <a:srgbClr val="A5A5A5"/>
+      </a:accent3>
+      <a:accent4>
+        <a:srgbClr val="FFC000"/>
+      </a:accent4>
+      <a:accent5>
+        <a:srgbClr val="4472C4"/>
+      </a:accent5>
+      <a:accent6>
+        <a:srgbClr val="70AD47"/>
+      </a:accent6>
+      <a:hlink>
+        <a:srgbClr val="0563C1"/>
+      </a:hlink>
+      <a:folHlink>
+        <a:srgbClr val="954F72"/>
+      </a:folHlink>
+    </a:clrScheme>
+    <a:fontScheme name="Office">
+      <a:majorFont>
+        <a:latin typeface="Calibri Light" panose="020F0302020204030204"/>
+        <a:ea typeface=""/>
+        <a:cs typeface=""/>
+        <a:font script="Jpan" typeface="游ゴシック Light"/>
+        <a:font script="Hang" typeface="맑은 고딕"/>
+        <a:font script="Hans" typeface="等线 Light"/>
+        <a:font script="Hant" typeface="新細明體"/>
+        <a:font script="Arab" typeface="Times New Roman"/>
+        <a:font script="Hebr" typeface="Times New Roman"/>
+        <a:font script="Thai" typeface="Angsana New"/>
+        <a:font script="Ethi" typeface="Nyala"/>
+        <a:font script="Beng" typeface="Vrinda"/>
+        <a:font script="Gujr" typeface="Shruti"/>
+        <a:font script="Khmr" typeface="MoolBoran"/>
+        <a:font script="Knda" typeface="Tunga"/>
+        <a:font script="Guru" typeface="Raavi"/>
+        <a:font script="Cans" typeface="Euphemia"/>
+        <a:font script="Cher" typeface="Plantagenet Cherokee"/>
+        <a:font script="Yiii" typeface="Microsoft Yi Baiti"/>
+        <a:font script="Tibt" typeface="Microsoft Himalaya"/>
+        <a:font script="Thaa" typeface="MV Boli"/>
+        <a:font script="Deva" typeface="Mangal"/>
+        <a:font script="Telu" typeface="Gautami"/>
+        <a:font script="Taml" typeface="Latha"/>
+        <a:font script="Syrc" typeface="Estrangelo Edessa"/>
+        <a:font script="Orya" typeface="Kalinga"/>
+        <a:font script="Mlym" typeface="Kartika"/>
+        <a:font script="Laoo" typeface="DokChampa"/>
+        <a:font script="Sinh" typeface="Iskoola Pota"/>
+        <a:font script="Mong" typeface="Mongolian Baiti"/>
+        <a:font script="Viet" typeface="Times New Roman"/>
+        <a:font script="Uigh" typeface="Microsoft Uighur"/>
+        <a:font script="Geor" typeface="Sylfaen"/>
+        <a:font script="Armn" typeface="Arial"/>
+        <a:font script="Bugi" typeface="Leelawadee UI"/>
+        <a:font script="Bopo" typeface="Microsoft JhengHei"/>
+        <a:font script="Java" typeface="Javanese Text"/>
+        <a:font script="Lisu" typeface="Segoe UI"/>
+        <a:font script="Mymr" typeface="Myanmar Text"/>
+        <a:font script="Nkoo" typeface="Ebrima"/>
+        <a:font script="Olck" typeface="Nirmala UI"/>
+        <a:font script="Osma" typeface="Ebrima"/>
+        <a:font script="Phag" typeface="Phagspa"/>
+        <a:font script="Syrn" typeface="Estrangelo Edessa"/>
+        <a:font script="Syrj" typeface="Estrangelo Edessa"/>
+        <a:font script="Syre" typeface="Estrangelo Edessa"/>
+        <a:font script="Sora" typeface="Nirmala UI"/>
+        <a:font script="Tale" typeface="Microsoft Tai Le"/>
+        <a:font script="Talu" typeface="Microsoft New Tai Lue"/>
+        <a:font script="Tfng" typeface="Ebrima"/>
+      </a:majorFont>
+      <a:minorFont>
+        <a:latin typeface="Calibri" panose="020F0502020204030204"/>
+        <a:ea typeface=""/>
+        <a:cs typeface=""/>
+        <a:font script="Jpan" typeface="游ゴシック"/>
+        <a:font script="Hang" typeface="맑은 고딕"/>
+        <a:font script="Hans" typeface="等线"/>
+        <a:font script="Hant" typeface="新細明體"/>
+        <a:font script="Arab" typeface="Arial"/>
+        <a:font script="Hebr" typeface="Arial"/>
+        <a:font script="Thai" typeface="Cordia New"/>
+        <a:font script="Ethi" typeface="Nyala"/>
+        <a:font script="Beng" typeface="Vrinda"/>
+        <a:font script="Gujr" typeface="Shruti"/>
+        <a:font script="Khmr" typeface="DaunPenh"/>
+        <a:font script="Knda" typeface="Tunga"/>
+        <a:font script="Guru" typeface="Raavi"/>
+        <a:font script="Cans" typeface="Euphemia"/>
+        <a:font script="Cher" typeface="Plantagenet Cherokee"/>
+        <a:font script="Yiii" typeface="Microsoft Yi Baiti"/>
+        <a:font script="Tibt" typeface="Microsoft Himalaya"/>
+        <a:font script="Thaa" typeface="MV Boli"/>
+        <a:font script="Deva" typeface="Mangal"/>
+        <a:font script="Telu" typeface="Gautami"/>
+        <a:font script="Taml" typeface="Latha"/>
+        <a:font script="Syrc" typeface="Estrangelo Edessa"/>
+        <a:font script="Orya" typeface="Kalinga"/>
+        <a:font script="Mlym" typeface="Kartika"/>
+        <a:font script="Laoo" typeface="DokChampa"/>
+        <a:font script="Sinh" typeface="Iskoola Pota"/>
+        <a:font script="Mong" typeface="Mongolian Baiti"/>
+        <a:font script="Viet" typeface="Arial"/>
+        <a:font script="Uigh" typeface="Microsoft Uighur"/>
+        <a:font script="Geor" typeface="Sylfaen"/>
+        <a:font script="Armn" typeface="Arial"/>
+        <a:font script="Bugi" typeface="Leelawadee UI"/>
+        <a:font script="Bopo" typeface="Microsoft JhengHei"/>
+        <a:font script="Java" typeface="Javanese Text"/>
+        <a:font script="Lisu" typeface="Segoe UI"/>
+        <a:font script="Mymr" typeface="Myanmar Text"/>
+        <a:font script="Nkoo" typeface="Ebrima"/>
+        <a:font script="Olck" typeface="Nirmala UI"/>
+        <a:font script="Osma" typeface="Ebrima"/>
+        <a:font script="Phag" typeface="Phagspa"/>
+        <a:font script="Syrn" typeface="Estrangelo Edessa"/>
+        <a:font script="Syrj" typeface="Estrangelo Edessa"/>
+        <a:font script="Syre" typeface="Estrangelo Edessa"/>
+        <a:font script="Sora" typeface="Nirmala UI"/>
+        <a:font script="Tale" typeface="Microsoft Tai Le"/>
+        <a:font script="Talu" typeface="Microsoft New Tai Lue"/>
+        <a:font script="Tfng" typeface="Ebrima"/>
+      </a:minorFont>
+    </a:fontScheme>
+    <a:fmtScheme name="Office">
+      <a:fillStyleLst>
+        <a:solidFill>
+          <a:schemeClr val="phClr"/>
+        </a:solidFill>
+        <a:gradFill rotWithShape="1">
+          <a:gsLst>
+            <a:gs pos="0">
+              <a:schemeClr val="phClr">
+                <a:lumMod val="110000"/>
+                <a:satMod val="105000"/>
+                <a:tint val="67000"/>
+              </a:schemeClr>
+            </a:gs>
+            <a:gs pos="50000">
+              <a:schemeClr val="phClr">
+                <a:lumMod val="105000"/>
+                <a:satMod val="103000"/>
+                <a:tint val="73000"/>
+              </a:schemeClr>
+            </a:gs>
+            <a:gs pos="100000">
+              <a:schemeClr val="phClr">
+                <a:lumMod val="105000"/>
+                <a:satMod val="109000"/>
+                <a:tint val="81000"/>
+              </a:schemeClr>
+            </a:gs>
+          </a:gsLst>
+          <a:lin ang="5400000" scaled="0"/>
+        </a:gradFill>
+        <a:gradFill rotWithShape="1">
+          <a:gsLst>
+            <a:gs pos="0">
+              <a:schemeClr val="phClr">
+                <a:satMod val="103000"/>
+                <a:lumMod val="102000"/>
+                <a:tint val="94000"/>
+              </a:schemeClr>
+            </a:gs>
+            <a:gs pos="50000">
+              <a:schemeClr val="phClr">
+                <a:satMod val="110000"/>
+                <a:lumMod val="100000"/>
+                <a:shade val="100000"/>
+              </a:schemeClr>
+            </a:gs>
+            <a:gs pos="100000">
+              <a:schemeClr val="phClr">
+                <a:lumMod val="99000"/>
+                <a:satMod val="120000"/>
+                <a:shade val="78000"/>
+              </a:schemeClr>
+            </a:gs>
+          </a:gsLst>
+          <a:lin ang="5400000" scaled="0"/>
+        </a:gradFill>
+      </a:fillStyleLst>
+      <a:lnStyleLst>
+        <a:ln w="6350" cap="flat" cmpd="sng" algn="ctr">
+          <a:solidFill>
+            <a:schemeClr val="phClr"/>
+          </a:solidFill>
+          <a:prstDash val="solid"/>
+          <a:miter lim="800000"/>
+        </a:ln>
+        <a:ln w="12700" cap="flat" cmpd="sng" algn="ctr">
+          <a:solidFill>
+            <a:schemeClr val="phClr"/>
+          </a:solidFill>
+          <a:prstDash val="solid"/>
+          <a:miter lim="800000"/>
+        </a:ln>
+        <a:ln w="19050" cap="flat" cmpd="sng" algn="ctr">
+          <a:solidFill>
+            <a:schemeClr val="phClr"/>
+          </a:solidFill>
+          <a:prstDash val="solid"/>
+          <a:miter lim="800000"/>
+        </a:ln>
+      </a:lnStyleLst>
+      <a:effectStyleLst>
+        <a:effectStyle>
+          <a:effectLst/>
+        </a:effectStyle>
+        <a:effectStyle>
+          <a:effectLst/>
+        </a:effectStyle>
+        <a:effectStyle>
+          <a:effectLst>
+            <a:outerShdw blurRad="57150" dist="19050" dir="5400000" algn="ctr" rotWithShape="0">
+              <a:srgbClr val="000000">
+                <a:alpha val="63000"/>
+              </a:srgbClr>
+            </a:outerShdw>
+          </a:effectLst>
+        </a:effectStyle>
+      </a:effectStyleLst>
+      <a:bgFillStyleLst>
+        <a:solidFill>
+          <a:schemeClr val="phClr"/>
+        </a:solidFill>
+        <a:solidFill>
+          <a:schemeClr val="phClr">
+            <a:tint val="95000"/>
+            <a:satMod val="170000"/>
+          </a:schemeClr>
+        </a:solidFill>
+        <a:gradFill rotWithShape="1">
+          <a:gsLst>
+            <a:gs pos="0">
+              <a:schemeClr val="phClr">
+                <a:tint val="93000"/>
+                <a:satMod val="150000"/>
+                <a:shade val="98000"/>
+                <a:lumMod val="102000"/>
+              </a:schemeClr>
+            </a:gs>
+            <a:gs pos="50000">
+              <a:schemeClr val="phClr">
+                <a:tint val="98000"/>
+                <a:satMod val="130000"/>
+                <a:shade val="90000"/>
+                <a:lumMod val="103000"/>
+              </a:schemeClr>
+            </a:gs>
+            <a:gs pos="100000">
+              <a:schemeClr val="phClr">
+                <a:shade val="63000"/>
+                <a:satMod val="120000"/>
+              </a:schemeClr>
+            </a:gs>
+          </a:gsLst>
+          <a:lin ang="5400000" scaled="0"/>
+        </a:gradFill>
+      </a:bgFillStyleLst>
+    </a:fmtScheme>
+  </a:themeElements>
+  <a:objectDefaults/>
+  <a:extraClrSchemeLst/>
+  <a:extLst>
+    <a:ext uri="{05A4C25C-085E-4340-85A3-A5531E510DB2}">
+      <thm15:themeFamily xmlns:thm15="http://schemas.microsoft.com/office/thememl/2012/main" name="Office Theme" id="{62F939B6-93AF-4DB8-9C6B-D6C7DFDC589F}" vid="{4A3C46E8-61CC-4603-A589-7422A47A8E4A}"/>
+    </a:ext>
+  </a:extLst>
+</a:theme>
 </file>
--- a/Rapport-PowerPoint-Base de connaissance/Projet SmartPatate.pptx
+++ b/Rapport-PowerPoint-Base de connaissance/Projet SmartPatate.pptx
@@ -116,7 +116,24 @@
       </a:defRPr>
     </a:lvl9pPr>
   </p:defaultTextStyle>
+  <p:extLst>
+    <p:ext uri="{EFAFB233-063F-42B5-8137-9DF3F51BA10A}">
+      <p15:sldGuideLst xmlns:p15="http://schemas.microsoft.com/office/powerpoint/2012/main"/>
+    </p:ext>
+  </p:extLst>
 </p:presentation>
+</file>
+
+<file path=ppt/commentAuthors.xml><?xml version="1.0" encoding="utf-8"?>
+<p:cmAuthorLst xmlns:a="http://schemas.openxmlformats.org/drawingml/2006/main" xmlns:r="http://schemas.openxmlformats.org/officeDocument/2006/relationships" xmlns:p="http://schemas.openxmlformats.org/presentationml/2006/main">
+  <p:cmAuthor id="1" name="Mandel vaub" initials="Mv" lastIdx="1" clrIdx="0">
+    <p:extLst>
+      <p:ext uri="{19B8F6BF-5375-455C-9EA6-DF929625EA0E}">
+        <p15:presenceInfo xmlns:p15="http://schemas.microsoft.com/office/powerpoint/2012/main" userId="0f2f57ad41faa604" providerId="Windows Live"/>
+      </p:ext>
+    </p:extLst>
+  </p:cmAuthor>
+</p:cmAuthorLst>
 </file>
 
 <file path=ppt/notesMasters/notesMaster1.xml><?xml version="1.0" encoding="utf-8"?>
@@ -201,7 +218,7 @@
           <a:p>
             <a:fld id="{E44E4D0C-E1C4-49C5-AC14-145750A4E737}" type="datetimeFigureOut">
               <a:rPr lang="fr-FR" smtClean="0"/>
-              <a:t>18/11/2016</a:t>
+              <a:t>20/11/2016</a:t>
             </a:fld>
             <a:endParaRPr lang="fr-FR" dirty="0"/>
           </a:p>
@@ -296,7 +313,6 @@
               <a:rPr lang="fr-FR"/>
               <a:t>Cinquième niveau</a:t>
             </a:r>
-            <a:endParaRPr lang="fr-FR"/>
           </a:p>
         </p:txBody>
       </p:sp>
@@ -513,7 +529,10 @@
           <a:bodyPr/>
           <a:lstStyle/>
           <a:p>
-            <a:endParaRPr lang="fr-FR" dirty="0"/>
+            <a:r>
+              <a:rPr lang="fr-FR" dirty="0"/>
+              <a:t>Début diapo attendre le lancement par le jury</a:t>
+            </a:r>
           </a:p>
         </p:txBody>
       </p:sp>
@@ -534,7 +553,7 @@
           <a:p>
             <a:fld id="{7A0069BE-ED50-4503-B231-940BFC3D5228}" type="slidenum">
               <a:rPr lang="fr-FR" smtClean="0"/>
-              <a:t>6</a:t>
+              <a:t>1</a:t>
             </a:fld>
             <a:endParaRPr lang="fr-FR" dirty="0"/>
           </a:p>
@@ -543,7 +562,99 @@
     </p:spTree>
     <p:extLst>
       <p:ext uri="{BB962C8B-B14F-4D97-AF65-F5344CB8AC3E}">
-        <p14:creationId xmlns:p14="http://schemas.microsoft.com/office/powerpoint/2010/main" val="3833766020"/>
+        <p14:creationId xmlns:p14="http://schemas.microsoft.com/office/powerpoint/2010/main" val="1292359178"/>
+      </p:ext>
+    </p:extLst>
+  </p:cSld>
+  <p:clrMapOvr>
+    <a:masterClrMapping/>
+  </p:clrMapOvr>
+</p:notes>
+</file>
+
+<file path=ppt/notesSlides/notesSlide10.xml><?xml version="1.0" encoding="utf-8"?>
+<p:notes xmlns:a="http://schemas.openxmlformats.org/drawingml/2006/main" xmlns:r="http://schemas.openxmlformats.org/officeDocument/2006/relationships" xmlns:p="http://schemas.openxmlformats.org/presentationml/2006/main">
+  <p:cSld>
+    <p:spTree>
+      <p:nvGrpSpPr>
+        <p:cNvPr id="1" name=""/>
+        <p:cNvGrpSpPr/>
+        <p:nvPr/>
+      </p:nvGrpSpPr>
+      <p:grpSpPr>
+        <a:xfrm>
+          <a:off x="0" y="0"/>
+          <a:ext cx="0" cy="0"/>
+          <a:chOff x="0" y="0"/>
+          <a:chExt cx="0" cy="0"/>
+        </a:xfrm>
+      </p:grpSpPr>
+      <p:sp>
+        <p:nvSpPr>
+          <p:cNvPr id="2" name="Espace réservé de l'image des diapositives 1"/>
+          <p:cNvSpPr>
+            <a:spLocks noGrp="1" noRot="1" noChangeAspect="1"/>
+          </p:cNvSpPr>
+          <p:nvPr>
+            <p:ph type="sldImg"/>
+          </p:nvPr>
+        </p:nvSpPr>
+        <p:spPr/>
+      </p:sp>
+      <p:sp>
+        <p:nvSpPr>
+          <p:cNvPr id="3" name="Espace réservé des notes 2"/>
+          <p:cNvSpPr>
+            <a:spLocks noGrp="1"/>
+          </p:cNvSpPr>
+          <p:nvPr>
+            <p:ph type="body" idx="1"/>
+          </p:nvPr>
+        </p:nvSpPr>
+        <p:spPr/>
+        <p:txBody>
+          <a:bodyPr/>
+          <a:lstStyle/>
+          <a:p>
+            <a:r>
+              <a:rPr lang="fr-FR" dirty="0"/>
+              <a:t>Au choix on prend </a:t>
+            </a:r>
+            <a:r>
+              <a:rPr lang="fr-FR"/>
+              <a:t>la parole</a:t>
+            </a:r>
+            <a:endParaRPr lang="fr-FR"/>
+          </a:p>
+        </p:txBody>
+      </p:sp>
+      <p:sp>
+        <p:nvSpPr>
+          <p:cNvPr id="4" name="Espace réservé du numéro de diapositive 3"/>
+          <p:cNvSpPr>
+            <a:spLocks noGrp="1"/>
+          </p:cNvSpPr>
+          <p:nvPr>
+            <p:ph type="sldNum" sz="quarter" idx="10"/>
+          </p:nvPr>
+        </p:nvSpPr>
+        <p:spPr/>
+        <p:txBody>
+          <a:bodyPr/>
+          <a:lstStyle/>
+          <a:p>
+            <a:fld id="{7A0069BE-ED50-4503-B231-940BFC3D5228}" type="slidenum">
+              <a:rPr lang="fr-FR" smtClean="0"/>
+              <a:t>10</a:t>
+            </a:fld>
+            <a:endParaRPr lang="fr-FR" dirty="0"/>
+          </a:p>
+        </p:txBody>
+      </p:sp>
+    </p:spTree>
+    <p:extLst>
+      <p:ext uri="{BB962C8B-B14F-4D97-AF65-F5344CB8AC3E}">
+        <p14:creationId xmlns:p14="http://schemas.microsoft.com/office/powerpoint/2010/main" val="1041217918"/>
       </p:ext>
     </p:extLst>
   </p:cSld>
@@ -597,7 +708,545 @@
           <a:bodyPr/>
           <a:lstStyle/>
           <a:p>
+            <a:r>
+              <a:rPr lang="fr-FR" dirty="0"/>
+              <a:t>Mandel présente le sommaire</a:t>
+            </a:r>
+          </a:p>
+        </p:txBody>
+      </p:sp>
+      <p:sp>
+        <p:nvSpPr>
+          <p:cNvPr id="4" name="Espace réservé du numéro de diapositive 3"/>
+          <p:cNvSpPr>
+            <a:spLocks noGrp="1"/>
+          </p:cNvSpPr>
+          <p:nvPr>
+            <p:ph type="sldNum" sz="quarter" idx="10"/>
+          </p:nvPr>
+        </p:nvSpPr>
+        <p:spPr/>
+        <p:txBody>
+          <a:bodyPr/>
+          <a:lstStyle/>
+          <a:p>
+            <a:fld id="{7A0069BE-ED50-4503-B231-940BFC3D5228}" type="slidenum">
+              <a:rPr lang="fr-FR" smtClean="0"/>
+              <a:t>2</a:t>
+            </a:fld>
             <a:endParaRPr lang="fr-FR" dirty="0"/>
+          </a:p>
+        </p:txBody>
+      </p:sp>
+    </p:spTree>
+    <p:extLst>
+      <p:ext uri="{BB962C8B-B14F-4D97-AF65-F5344CB8AC3E}">
+        <p14:creationId xmlns:p14="http://schemas.microsoft.com/office/powerpoint/2010/main" val="131170954"/>
+      </p:ext>
+    </p:extLst>
+  </p:cSld>
+  <p:clrMapOvr>
+    <a:masterClrMapping/>
+  </p:clrMapOvr>
+</p:notes>
+</file>
+
+<file path=ppt/notesSlides/notesSlide3.xml><?xml version="1.0" encoding="utf-8"?>
+<p:notes xmlns:a="http://schemas.openxmlformats.org/drawingml/2006/main" xmlns:r="http://schemas.openxmlformats.org/officeDocument/2006/relationships" xmlns:p="http://schemas.openxmlformats.org/presentationml/2006/main">
+  <p:cSld>
+    <p:spTree>
+      <p:nvGrpSpPr>
+        <p:cNvPr id="1" name=""/>
+        <p:cNvGrpSpPr/>
+        <p:nvPr/>
+      </p:nvGrpSpPr>
+      <p:grpSpPr>
+        <a:xfrm>
+          <a:off x="0" y="0"/>
+          <a:ext cx="0" cy="0"/>
+          <a:chOff x="0" y="0"/>
+          <a:chExt cx="0" cy="0"/>
+        </a:xfrm>
+      </p:grpSpPr>
+      <p:sp>
+        <p:nvSpPr>
+          <p:cNvPr id="2" name="Espace réservé de l'image des diapositives 1"/>
+          <p:cNvSpPr>
+            <a:spLocks noGrp="1" noRot="1" noChangeAspect="1"/>
+          </p:cNvSpPr>
+          <p:nvPr>
+            <p:ph type="sldImg"/>
+          </p:nvPr>
+        </p:nvSpPr>
+        <p:spPr/>
+      </p:sp>
+      <p:sp>
+        <p:nvSpPr>
+          <p:cNvPr id="3" name="Espace réservé des notes 2"/>
+          <p:cNvSpPr>
+            <a:spLocks noGrp="1"/>
+          </p:cNvSpPr>
+          <p:nvPr>
+            <p:ph type="body" idx="1"/>
+          </p:nvPr>
+        </p:nvSpPr>
+        <p:spPr/>
+        <p:txBody>
+          <a:bodyPr/>
+          <a:lstStyle/>
+          <a:p>
+            <a:r>
+              <a:rPr lang="fr-FR" dirty="0"/>
+              <a:t>Quentin : Présentation projet</a:t>
+            </a:r>
+            <a:br>
+              <a:rPr lang="fr-FR" dirty="0"/>
+            </a:br>
+            <a:r>
+              <a:rPr lang="fr-FR" dirty="0"/>
+              <a:t>Mandel : L’utilisation des capteur</a:t>
+            </a:r>
+          </a:p>
+        </p:txBody>
+      </p:sp>
+      <p:sp>
+        <p:nvSpPr>
+          <p:cNvPr id="4" name="Espace réservé du numéro de diapositive 3"/>
+          <p:cNvSpPr>
+            <a:spLocks noGrp="1"/>
+          </p:cNvSpPr>
+          <p:nvPr>
+            <p:ph type="sldNum" sz="quarter" idx="10"/>
+          </p:nvPr>
+        </p:nvSpPr>
+        <p:spPr/>
+        <p:txBody>
+          <a:bodyPr/>
+          <a:lstStyle/>
+          <a:p>
+            <a:fld id="{7A0069BE-ED50-4503-B231-940BFC3D5228}" type="slidenum">
+              <a:rPr lang="fr-FR" smtClean="0"/>
+              <a:t>3</a:t>
+            </a:fld>
+            <a:endParaRPr lang="fr-FR" dirty="0"/>
+          </a:p>
+        </p:txBody>
+      </p:sp>
+    </p:spTree>
+    <p:extLst>
+      <p:ext uri="{BB962C8B-B14F-4D97-AF65-F5344CB8AC3E}">
+        <p14:creationId xmlns:p14="http://schemas.microsoft.com/office/powerpoint/2010/main" val="3078646953"/>
+      </p:ext>
+    </p:extLst>
+  </p:cSld>
+  <p:clrMapOvr>
+    <a:masterClrMapping/>
+  </p:clrMapOvr>
+</p:notes>
+</file>
+
+<file path=ppt/notesSlides/notesSlide4.xml><?xml version="1.0" encoding="utf-8"?>
+<p:notes xmlns:a="http://schemas.openxmlformats.org/drawingml/2006/main" xmlns:r="http://schemas.openxmlformats.org/officeDocument/2006/relationships" xmlns:p="http://schemas.openxmlformats.org/presentationml/2006/main">
+  <p:cSld>
+    <p:spTree>
+      <p:nvGrpSpPr>
+        <p:cNvPr id="1" name=""/>
+        <p:cNvGrpSpPr/>
+        <p:nvPr/>
+      </p:nvGrpSpPr>
+      <p:grpSpPr>
+        <a:xfrm>
+          <a:off x="0" y="0"/>
+          <a:ext cx="0" cy="0"/>
+          <a:chOff x="0" y="0"/>
+          <a:chExt cx="0" cy="0"/>
+        </a:xfrm>
+      </p:grpSpPr>
+      <p:sp>
+        <p:nvSpPr>
+          <p:cNvPr id="2" name="Espace réservé de l'image des diapositives 1"/>
+          <p:cNvSpPr>
+            <a:spLocks noGrp="1" noRot="1" noChangeAspect="1"/>
+          </p:cNvSpPr>
+          <p:nvPr>
+            <p:ph type="sldImg"/>
+          </p:nvPr>
+        </p:nvSpPr>
+        <p:spPr/>
+      </p:sp>
+      <p:sp>
+        <p:nvSpPr>
+          <p:cNvPr id="3" name="Espace réservé des notes 2"/>
+          <p:cNvSpPr>
+            <a:spLocks noGrp="1"/>
+          </p:cNvSpPr>
+          <p:nvPr>
+            <p:ph type="body" idx="1"/>
+          </p:nvPr>
+        </p:nvSpPr>
+        <p:spPr/>
+        <p:txBody>
+          <a:bodyPr/>
+          <a:lstStyle/>
+          <a:p>
+            <a:r>
+              <a:rPr lang="fr-FR" dirty="0"/>
+              <a:t>Quentin :</a:t>
+            </a:r>
+          </a:p>
+          <a:p>
+            <a:r>
+              <a:rPr lang="fr-FR" dirty="0"/>
+              <a:t>Zone rouge = filtre passe-bas</a:t>
+            </a:r>
+            <a:br>
+              <a:rPr lang="fr-FR" dirty="0"/>
+            </a:br>
+            <a:r>
+              <a:rPr lang="fr-FR" dirty="0"/>
+              <a:t>zone bleu = l’électrode capteur capacitif/condensateur</a:t>
+            </a:r>
+          </a:p>
+          <a:p>
+            <a:r>
+              <a:rPr lang="fr-FR" dirty="0"/>
+              <a:t>Flèche rose = Pin A0 on récupère le </a:t>
+            </a:r>
+            <a:r>
+              <a:rPr lang="fr-FR" dirty="0" err="1"/>
+              <a:t>le</a:t>
+            </a:r>
+            <a:r>
+              <a:rPr lang="fr-FR" dirty="0"/>
+              <a:t> signal analogique</a:t>
+            </a:r>
+          </a:p>
+          <a:p>
+            <a:endParaRPr lang="fr-FR" dirty="0"/>
+          </a:p>
+          <a:p>
+            <a:r>
+              <a:rPr lang="fr-FR" dirty="0"/>
+              <a:t>L’arduino génère un signal analogique à une fréquence donnée via le port PWM 9</a:t>
+            </a:r>
+          </a:p>
+          <a:p>
+            <a:endParaRPr lang="fr-FR" dirty="0"/>
+          </a:p>
+          <a:p>
+            <a:r>
+              <a:rPr lang="fr-FR" dirty="0"/>
+              <a:t>PWM = </a:t>
+            </a:r>
+            <a:r>
+              <a:rPr lang="fr-FR" i="1" dirty="0"/>
+              <a:t>Pulse </a:t>
+            </a:r>
+            <a:r>
+              <a:rPr lang="fr-FR" i="1" dirty="0" err="1"/>
+              <a:t>With</a:t>
+            </a:r>
+            <a:r>
+              <a:rPr lang="fr-FR" i="1" dirty="0"/>
+              <a:t> Modulation = génère un signal analogique via un quartz  </a:t>
+            </a:r>
+            <a:endParaRPr lang="fr-FR" dirty="0"/>
+          </a:p>
+        </p:txBody>
+      </p:sp>
+      <p:sp>
+        <p:nvSpPr>
+          <p:cNvPr id="4" name="Espace réservé du numéro de diapositive 3"/>
+          <p:cNvSpPr>
+            <a:spLocks noGrp="1"/>
+          </p:cNvSpPr>
+          <p:nvPr>
+            <p:ph type="sldNum" sz="quarter" idx="10"/>
+          </p:nvPr>
+        </p:nvSpPr>
+        <p:spPr/>
+        <p:txBody>
+          <a:bodyPr/>
+          <a:lstStyle/>
+          <a:p>
+            <a:fld id="{7A0069BE-ED50-4503-B231-940BFC3D5228}" type="slidenum">
+              <a:rPr lang="fr-FR" smtClean="0"/>
+              <a:t>4</a:t>
+            </a:fld>
+            <a:endParaRPr lang="fr-FR" dirty="0"/>
+          </a:p>
+        </p:txBody>
+      </p:sp>
+    </p:spTree>
+    <p:extLst>
+      <p:ext uri="{BB962C8B-B14F-4D97-AF65-F5344CB8AC3E}">
+        <p14:creationId xmlns:p14="http://schemas.microsoft.com/office/powerpoint/2010/main" val="2884816484"/>
+      </p:ext>
+    </p:extLst>
+  </p:cSld>
+  <p:clrMapOvr>
+    <a:masterClrMapping/>
+  </p:clrMapOvr>
+</p:notes>
+</file>
+
+<file path=ppt/notesSlides/notesSlide5.xml><?xml version="1.0" encoding="utf-8"?>
+<p:notes xmlns:a="http://schemas.openxmlformats.org/drawingml/2006/main" xmlns:r="http://schemas.openxmlformats.org/officeDocument/2006/relationships" xmlns:p="http://schemas.openxmlformats.org/presentationml/2006/main">
+  <p:cSld>
+    <p:spTree>
+      <p:nvGrpSpPr>
+        <p:cNvPr id="1" name=""/>
+        <p:cNvGrpSpPr/>
+        <p:nvPr/>
+      </p:nvGrpSpPr>
+      <p:grpSpPr>
+        <a:xfrm>
+          <a:off x="0" y="0"/>
+          <a:ext cx="0" cy="0"/>
+          <a:chOff x="0" y="0"/>
+          <a:chExt cx="0" cy="0"/>
+        </a:xfrm>
+      </p:grpSpPr>
+      <p:sp>
+        <p:nvSpPr>
+          <p:cNvPr id="2" name="Espace réservé de l'image des diapositives 1"/>
+          <p:cNvSpPr>
+            <a:spLocks noGrp="1" noRot="1" noChangeAspect="1"/>
+          </p:cNvSpPr>
+          <p:nvPr>
+            <p:ph type="sldImg"/>
+          </p:nvPr>
+        </p:nvSpPr>
+        <p:spPr/>
+      </p:sp>
+      <p:sp>
+        <p:nvSpPr>
+          <p:cNvPr id="3" name="Espace réservé des notes 2"/>
+          <p:cNvSpPr>
+            <a:spLocks noGrp="1"/>
+          </p:cNvSpPr>
+          <p:nvPr>
+            <p:ph type="body" idx="1"/>
+          </p:nvPr>
+        </p:nvSpPr>
+        <p:spPr/>
+        <p:txBody>
+          <a:bodyPr/>
+          <a:lstStyle/>
+          <a:p>
+            <a:r>
+              <a:rPr lang="fr-FR" dirty="0"/>
+              <a:t>Quentin : </a:t>
+            </a:r>
+          </a:p>
+          <a:p>
+            <a:r>
+              <a:rPr lang="fr-FR" dirty="0"/>
+              <a:t>Le tableau en basse fréquence 500Hz à 200KHz pas de changement</a:t>
+            </a:r>
+          </a:p>
+          <a:p>
+            <a:r>
+              <a:rPr lang="fr-FR" dirty="0"/>
+              <a:t>On Haute fréquence </a:t>
+            </a:r>
+            <a:r>
+              <a:rPr lang="fr-FR" dirty="0" err="1"/>
+              <a:t>ya</a:t>
+            </a:r>
+            <a:r>
+              <a:rPr lang="fr-FR" dirty="0"/>
+              <a:t> atténuation du signal car filtre passe-bas</a:t>
+            </a:r>
+          </a:p>
+          <a:p>
+            <a:endParaRPr lang="fr-FR" dirty="0"/>
+          </a:p>
+          <a:p>
+            <a:r>
+              <a:rPr lang="fr-FR" dirty="0"/>
+              <a:t>La zone rouge = quand on touche pas </a:t>
+            </a:r>
+          </a:p>
+          <a:p>
+            <a:r>
+              <a:rPr lang="fr-FR" dirty="0"/>
+              <a:t>La zone verte = quand on touche</a:t>
+            </a:r>
+          </a:p>
+        </p:txBody>
+      </p:sp>
+      <p:sp>
+        <p:nvSpPr>
+          <p:cNvPr id="4" name="Espace réservé du numéro de diapositive 3"/>
+          <p:cNvSpPr>
+            <a:spLocks noGrp="1"/>
+          </p:cNvSpPr>
+          <p:nvPr>
+            <p:ph type="sldNum" sz="quarter" idx="10"/>
+          </p:nvPr>
+        </p:nvSpPr>
+        <p:spPr/>
+        <p:txBody>
+          <a:bodyPr/>
+          <a:lstStyle/>
+          <a:p>
+            <a:fld id="{7A0069BE-ED50-4503-B231-940BFC3D5228}" type="slidenum">
+              <a:rPr lang="fr-FR" smtClean="0"/>
+              <a:t>5</a:t>
+            </a:fld>
+            <a:endParaRPr lang="fr-FR" dirty="0"/>
+          </a:p>
+        </p:txBody>
+      </p:sp>
+    </p:spTree>
+    <p:extLst>
+      <p:ext uri="{BB962C8B-B14F-4D97-AF65-F5344CB8AC3E}">
+        <p14:creationId xmlns:p14="http://schemas.microsoft.com/office/powerpoint/2010/main" val="138693799"/>
+      </p:ext>
+    </p:extLst>
+  </p:cSld>
+  <p:clrMapOvr>
+    <a:masterClrMapping/>
+  </p:clrMapOvr>
+</p:notes>
+</file>
+
+<file path=ppt/notesSlides/notesSlide6.xml><?xml version="1.0" encoding="utf-8"?>
+<p:notes xmlns:a="http://schemas.openxmlformats.org/drawingml/2006/main" xmlns:r="http://schemas.openxmlformats.org/officeDocument/2006/relationships" xmlns:p="http://schemas.openxmlformats.org/presentationml/2006/main">
+  <p:cSld>
+    <p:spTree>
+      <p:nvGrpSpPr>
+        <p:cNvPr id="1" name=""/>
+        <p:cNvGrpSpPr/>
+        <p:nvPr/>
+      </p:nvGrpSpPr>
+      <p:grpSpPr>
+        <a:xfrm>
+          <a:off x="0" y="0"/>
+          <a:ext cx="0" cy="0"/>
+          <a:chOff x="0" y="0"/>
+          <a:chExt cx="0" cy="0"/>
+        </a:xfrm>
+      </p:grpSpPr>
+      <p:sp>
+        <p:nvSpPr>
+          <p:cNvPr id="2" name="Espace réservé de l'image des diapositives 1"/>
+          <p:cNvSpPr>
+            <a:spLocks noGrp="1" noRot="1" noChangeAspect="1"/>
+          </p:cNvSpPr>
+          <p:nvPr>
+            <p:ph type="sldImg"/>
+          </p:nvPr>
+        </p:nvSpPr>
+        <p:spPr/>
+      </p:sp>
+      <p:sp>
+        <p:nvSpPr>
+          <p:cNvPr id="3" name="Espace réservé des notes 2"/>
+          <p:cNvSpPr>
+            <a:spLocks noGrp="1"/>
+          </p:cNvSpPr>
+          <p:nvPr>
+            <p:ph type="body" idx="1"/>
+          </p:nvPr>
+        </p:nvSpPr>
+        <p:spPr/>
+        <p:txBody>
+          <a:bodyPr/>
+          <a:lstStyle/>
+          <a:p>
+            <a:r>
+              <a:rPr lang="fr-FR" dirty="0"/>
+              <a:t>Mandel explique</a:t>
+            </a:r>
+          </a:p>
+        </p:txBody>
+      </p:sp>
+      <p:sp>
+        <p:nvSpPr>
+          <p:cNvPr id="4" name="Espace réservé du numéro de diapositive 3"/>
+          <p:cNvSpPr>
+            <a:spLocks noGrp="1"/>
+          </p:cNvSpPr>
+          <p:nvPr>
+            <p:ph type="sldNum" sz="quarter" idx="10"/>
+          </p:nvPr>
+        </p:nvSpPr>
+        <p:spPr/>
+        <p:txBody>
+          <a:bodyPr/>
+          <a:lstStyle/>
+          <a:p>
+            <a:fld id="{7A0069BE-ED50-4503-B231-940BFC3D5228}" type="slidenum">
+              <a:rPr lang="fr-FR" smtClean="0"/>
+              <a:t>6</a:t>
+            </a:fld>
+            <a:endParaRPr lang="fr-FR" dirty="0"/>
+          </a:p>
+        </p:txBody>
+      </p:sp>
+    </p:spTree>
+    <p:extLst>
+      <p:ext uri="{BB962C8B-B14F-4D97-AF65-F5344CB8AC3E}">
+        <p14:creationId xmlns:p14="http://schemas.microsoft.com/office/powerpoint/2010/main" val="3833766020"/>
+      </p:ext>
+    </p:extLst>
+  </p:cSld>
+  <p:clrMapOvr>
+    <a:masterClrMapping/>
+  </p:clrMapOvr>
+</p:notes>
+</file>
+
+<file path=ppt/notesSlides/notesSlide7.xml><?xml version="1.0" encoding="utf-8"?>
+<p:notes xmlns:a="http://schemas.openxmlformats.org/drawingml/2006/main" xmlns:r="http://schemas.openxmlformats.org/officeDocument/2006/relationships" xmlns:p="http://schemas.openxmlformats.org/presentationml/2006/main">
+  <p:cSld>
+    <p:spTree>
+      <p:nvGrpSpPr>
+        <p:cNvPr id="1" name=""/>
+        <p:cNvGrpSpPr/>
+        <p:nvPr/>
+      </p:nvGrpSpPr>
+      <p:grpSpPr>
+        <a:xfrm>
+          <a:off x="0" y="0"/>
+          <a:ext cx="0" cy="0"/>
+          <a:chOff x="0" y="0"/>
+          <a:chExt cx="0" cy="0"/>
+        </a:xfrm>
+      </p:grpSpPr>
+      <p:sp>
+        <p:nvSpPr>
+          <p:cNvPr id="2" name="Espace réservé de l'image des diapositives 1"/>
+          <p:cNvSpPr>
+            <a:spLocks noGrp="1" noRot="1" noChangeAspect="1"/>
+          </p:cNvSpPr>
+          <p:nvPr>
+            <p:ph type="sldImg"/>
+          </p:nvPr>
+        </p:nvSpPr>
+        <p:spPr/>
+      </p:sp>
+      <p:sp>
+        <p:nvSpPr>
+          <p:cNvPr id="3" name="Espace réservé des notes 2"/>
+          <p:cNvSpPr>
+            <a:spLocks noGrp="1"/>
+          </p:cNvSpPr>
+          <p:nvPr>
+            <p:ph type="body" idx="1"/>
+          </p:nvPr>
+        </p:nvSpPr>
+        <p:spPr/>
+        <p:txBody>
+          <a:bodyPr/>
+          <a:lstStyle/>
+          <a:p>
+            <a:r>
+              <a:rPr lang="fr-FR" dirty="0"/>
+              <a:t>Mandel explique</a:t>
+            </a:r>
           </a:p>
         </p:txBody>
       </p:sp>
@@ -628,6 +1277,180 @@
     <p:extLst>
       <p:ext uri="{BB962C8B-B14F-4D97-AF65-F5344CB8AC3E}">
         <p14:creationId xmlns:p14="http://schemas.microsoft.com/office/powerpoint/2010/main" val="501767001"/>
+      </p:ext>
+    </p:extLst>
+  </p:cSld>
+  <p:clrMapOvr>
+    <a:masterClrMapping/>
+  </p:clrMapOvr>
+</p:notes>
+</file>
+
+<file path=ppt/notesSlides/notesSlide8.xml><?xml version="1.0" encoding="utf-8"?>
+<p:notes xmlns:a="http://schemas.openxmlformats.org/drawingml/2006/main" xmlns:r="http://schemas.openxmlformats.org/officeDocument/2006/relationships" xmlns:p="http://schemas.openxmlformats.org/presentationml/2006/main">
+  <p:cSld>
+    <p:spTree>
+      <p:nvGrpSpPr>
+        <p:cNvPr id="1" name=""/>
+        <p:cNvGrpSpPr/>
+        <p:nvPr/>
+      </p:nvGrpSpPr>
+      <p:grpSpPr>
+        <a:xfrm>
+          <a:off x="0" y="0"/>
+          <a:ext cx="0" cy="0"/>
+          <a:chOff x="0" y="0"/>
+          <a:chExt cx="0" cy="0"/>
+        </a:xfrm>
+      </p:grpSpPr>
+      <p:sp>
+        <p:nvSpPr>
+          <p:cNvPr id="2" name="Espace réservé de l'image des diapositives 1"/>
+          <p:cNvSpPr>
+            <a:spLocks noGrp="1" noRot="1" noChangeAspect="1"/>
+          </p:cNvSpPr>
+          <p:nvPr>
+            <p:ph type="sldImg"/>
+          </p:nvPr>
+        </p:nvSpPr>
+        <p:spPr/>
+      </p:sp>
+      <p:sp>
+        <p:nvSpPr>
+          <p:cNvPr id="3" name="Espace réservé des notes 2"/>
+          <p:cNvSpPr>
+            <a:spLocks noGrp="1"/>
+          </p:cNvSpPr>
+          <p:nvPr>
+            <p:ph type="body" idx="1"/>
+          </p:nvPr>
+        </p:nvSpPr>
+        <p:spPr/>
+        <p:txBody>
+          <a:bodyPr/>
+          <a:lstStyle/>
+          <a:p>
+            <a:r>
+              <a:rPr lang="fr-FR" dirty="0"/>
+              <a:t>Mandel explique</a:t>
+            </a:r>
+          </a:p>
+        </p:txBody>
+      </p:sp>
+      <p:sp>
+        <p:nvSpPr>
+          <p:cNvPr id="4" name="Espace réservé du numéro de diapositive 3"/>
+          <p:cNvSpPr>
+            <a:spLocks noGrp="1"/>
+          </p:cNvSpPr>
+          <p:nvPr>
+            <p:ph type="sldNum" sz="quarter" idx="10"/>
+          </p:nvPr>
+        </p:nvSpPr>
+        <p:spPr/>
+        <p:txBody>
+          <a:bodyPr/>
+          <a:lstStyle/>
+          <a:p>
+            <a:fld id="{7A0069BE-ED50-4503-B231-940BFC3D5228}" type="slidenum">
+              <a:rPr lang="fr-FR" smtClean="0"/>
+              <a:t>8</a:t>
+            </a:fld>
+            <a:endParaRPr lang="fr-FR" dirty="0"/>
+          </a:p>
+        </p:txBody>
+      </p:sp>
+    </p:spTree>
+    <p:extLst>
+      <p:ext uri="{BB962C8B-B14F-4D97-AF65-F5344CB8AC3E}">
+        <p14:creationId xmlns:p14="http://schemas.microsoft.com/office/powerpoint/2010/main" val="1465289709"/>
+      </p:ext>
+    </p:extLst>
+  </p:cSld>
+  <p:clrMapOvr>
+    <a:masterClrMapping/>
+  </p:clrMapOvr>
+</p:notes>
+</file>
+
+<file path=ppt/notesSlides/notesSlide9.xml><?xml version="1.0" encoding="utf-8"?>
+<p:notes xmlns:a="http://schemas.openxmlformats.org/drawingml/2006/main" xmlns:r="http://schemas.openxmlformats.org/officeDocument/2006/relationships" xmlns:p="http://schemas.openxmlformats.org/presentationml/2006/main">
+  <p:cSld>
+    <p:spTree>
+      <p:nvGrpSpPr>
+        <p:cNvPr id="1" name=""/>
+        <p:cNvGrpSpPr/>
+        <p:nvPr/>
+      </p:nvGrpSpPr>
+      <p:grpSpPr>
+        <a:xfrm>
+          <a:off x="0" y="0"/>
+          <a:ext cx="0" cy="0"/>
+          <a:chOff x="0" y="0"/>
+          <a:chExt cx="0" cy="0"/>
+        </a:xfrm>
+      </p:grpSpPr>
+      <p:sp>
+        <p:nvSpPr>
+          <p:cNvPr id="2" name="Espace réservé de l'image des diapositives 1"/>
+          <p:cNvSpPr>
+            <a:spLocks noGrp="1" noRot="1" noChangeAspect="1"/>
+          </p:cNvSpPr>
+          <p:nvPr>
+            <p:ph type="sldImg"/>
+          </p:nvPr>
+        </p:nvSpPr>
+        <p:spPr/>
+      </p:sp>
+      <p:sp>
+        <p:nvSpPr>
+          <p:cNvPr id="3" name="Espace réservé des notes 2"/>
+          <p:cNvSpPr>
+            <a:spLocks noGrp="1"/>
+          </p:cNvSpPr>
+          <p:nvPr>
+            <p:ph type="body" idx="1"/>
+          </p:nvPr>
+        </p:nvSpPr>
+        <p:spPr/>
+        <p:txBody>
+          <a:bodyPr/>
+          <a:lstStyle/>
+          <a:p>
+            <a:r>
+              <a:rPr lang="fr-FR" dirty="0"/>
+              <a:t>Quentin explique </a:t>
+            </a:r>
+          </a:p>
+        </p:txBody>
+      </p:sp>
+      <p:sp>
+        <p:nvSpPr>
+          <p:cNvPr id="4" name="Espace réservé du numéro de diapositive 3"/>
+          <p:cNvSpPr>
+            <a:spLocks noGrp="1"/>
+          </p:cNvSpPr>
+          <p:nvPr>
+            <p:ph type="sldNum" sz="quarter" idx="10"/>
+          </p:nvPr>
+        </p:nvSpPr>
+        <p:spPr/>
+        <p:txBody>
+          <a:bodyPr/>
+          <a:lstStyle/>
+          <a:p>
+            <a:fld id="{7A0069BE-ED50-4503-B231-940BFC3D5228}" type="slidenum">
+              <a:rPr lang="fr-FR" smtClean="0"/>
+              <a:t>9</a:t>
+            </a:fld>
+            <a:endParaRPr lang="fr-FR" dirty="0"/>
+          </a:p>
+        </p:txBody>
+      </p:sp>
+    </p:spTree>
+    <p:extLst>
+      <p:ext uri="{BB962C8B-B14F-4D97-AF65-F5344CB8AC3E}">
+        <p14:creationId xmlns:p14="http://schemas.microsoft.com/office/powerpoint/2010/main" val="3238307659"/>
       </p:ext>
     </p:extLst>
   </p:cSld>
@@ -1357,9 +2180,9 @@
           <a:bodyPr/>
           <a:lstStyle/>
           <a:p>
-            <a:fld id="{6161A1F4-0D34-462A-9725-C9F6194751F0}" type="datetimeFigureOut">
+            <a:fld id="{CA9B763E-AAA9-4CD7-B78C-DC2F474A7409}" type="datetime1">
               <a:rPr lang="fr-FR" smtClean="0"/>
-              <a:t>18/11/2016</a:t>
+              <a:t>20/11/2016</a:t>
             </a:fld>
             <a:endParaRPr lang="fr-FR" dirty="0"/>
           </a:p>
@@ -1608,9 +2431,9 @@
           <a:bodyPr/>
           <a:lstStyle/>
           <a:p>
-            <a:fld id="{6161A1F4-0D34-462A-9725-C9F6194751F0}" type="datetimeFigureOut">
+            <a:fld id="{9F6584EB-4561-4D89-BC55-3C32A9730D5D}" type="datetime1">
               <a:rPr lang="fr-FR" smtClean="0"/>
-              <a:t>18/11/2016</a:t>
+              <a:t>20/11/2016</a:t>
             </a:fld>
             <a:endParaRPr lang="fr-FR" dirty="0"/>
           </a:p>
@@ -1922,9 +2745,9 @@
           <a:bodyPr/>
           <a:lstStyle/>
           <a:p>
-            <a:fld id="{6161A1F4-0D34-462A-9725-C9F6194751F0}" type="datetimeFigureOut">
+            <a:fld id="{CE2C84C7-C360-4099-8FA8-1210207931BF}" type="datetime1">
               <a:rPr lang="fr-FR" smtClean="0"/>
-              <a:t>18/11/2016</a:t>
+              <a:t>20/11/2016</a:t>
             </a:fld>
             <a:endParaRPr lang="fr-FR" dirty="0"/>
           </a:p>
@@ -2263,9 +3086,9 @@
           <a:bodyPr/>
           <a:lstStyle/>
           <a:p>
-            <a:fld id="{6161A1F4-0D34-462A-9725-C9F6194751F0}" type="datetimeFigureOut">
+            <a:fld id="{EE32AE2B-5C7D-49F3-B2A0-78963E5A5CA5}" type="datetime1">
               <a:rPr lang="fr-FR" smtClean="0"/>
-              <a:t>18/11/2016</a:t>
+              <a:t>20/11/2016</a:t>
             </a:fld>
             <a:endParaRPr lang="fr-FR" dirty="0"/>
           </a:p>
@@ -2577,9 +3400,9 @@
           <a:bodyPr/>
           <a:lstStyle/>
           <a:p>
-            <a:fld id="{6161A1F4-0D34-462A-9725-C9F6194751F0}" type="datetimeFigureOut">
+            <a:fld id="{CEF2D231-E4B3-4467-A7EB-666F6C9519EA}" type="datetime1">
               <a:rPr lang="fr-FR" smtClean="0"/>
-              <a:t>18/11/2016</a:t>
+              <a:t>20/11/2016</a:t>
             </a:fld>
             <a:endParaRPr lang="fr-FR" dirty="0"/>
           </a:p>
@@ -2970,9 +3793,9 @@
           <a:bodyPr/>
           <a:lstStyle/>
           <a:p>
-            <a:fld id="{6161A1F4-0D34-462A-9725-C9F6194751F0}" type="datetimeFigureOut">
+            <a:fld id="{BFCB66FC-00AF-4061-8B58-8B24F5068E79}" type="datetime1">
               <a:rPr lang="fr-FR" smtClean="0"/>
-              <a:t>18/11/2016</a:t>
+              <a:t>20/11/2016</a:t>
             </a:fld>
             <a:endParaRPr lang="fr-FR" dirty="0"/>
           </a:p>
@@ -3140,9 +3963,9 @@
           <a:bodyPr/>
           <a:lstStyle/>
           <a:p>
-            <a:fld id="{6161A1F4-0D34-462A-9725-C9F6194751F0}" type="datetimeFigureOut">
+            <a:fld id="{E6198F01-0BBA-4043-B362-746ACD0AD673}" type="datetime1">
               <a:rPr lang="fr-FR" smtClean="0"/>
-              <a:t>18/11/2016</a:t>
+              <a:t>20/11/2016</a:t>
             </a:fld>
             <a:endParaRPr lang="fr-FR" dirty="0"/>
           </a:p>
@@ -3320,9 +4143,9 @@
           <a:bodyPr/>
           <a:lstStyle/>
           <a:p>
-            <a:fld id="{6161A1F4-0D34-462A-9725-C9F6194751F0}" type="datetimeFigureOut">
+            <a:fld id="{67D4986D-36A7-4140-A002-D2DC853FA254}" type="datetime1">
               <a:rPr lang="fr-FR" smtClean="0"/>
-              <a:t>18/11/2016</a:t>
+              <a:t>20/11/2016</a:t>
             </a:fld>
             <a:endParaRPr lang="fr-FR" dirty="0"/>
           </a:p>
@@ -3496,9 +4319,9 @@
           <a:bodyPr/>
           <a:lstStyle/>
           <a:p>
-            <a:fld id="{6161A1F4-0D34-462A-9725-C9F6194751F0}" type="datetimeFigureOut">
+            <a:fld id="{D0DF31F2-671B-47BF-9E43-334EE5A07B9D}" type="datetime1">
               <a:rPr lang="fr-FR" smtClean="0"/>
-              <a:t>18/11/2016</a:t>
+              <a:t>20/11/2016</a:t>
             </a:fld>
             <a:endParaRPr lang="fr-FR" dirty="0"/>
           </a:p>
@@ -3743,9 +4566,9 @@
           <a:bodyPr/>
           <a:lstStyle/>
           <a:p>
-            <a:fld id="{6161A1F4-0D34-462A-9725-C9F6194751F0}" type="datetimeFigureOut">
+            <a:fld id="{D3B3C488-A6CA-4171-A080-AB31E3DB199B}" type="datetime1">
               <a:rPr lang="fr-FR" smtClean="0"/>
-              <a:t>18/11/2016</a:t>
+              <a:t>20/11/2016</a:t>
             </a:fld>
             <a:endParaRPr lang="fr-FR" dirty="0"/>
           </a:p>
@@ -3975,9 +4798,9 @@
           <a:bodyPr/>
           <a:lstStyle/>
           <a:p>
-            <a:fld id="{6161A1F4-0D34-462A-9725-C9F6194751F0}" type="datetimeFigureOut">
+            <a:fld id="{7DE2336F-9CCA-4164-BF0C-EEFD89782DD9}" type="datetime1">
               <a:rPr lang="fr-FR" smtClean="0"/>
-              <a:t>18/11/2016</a:t>
+              <a:t>20/11/2016</a:t>
             </a:fld>
             <a:endParaRPr lang="fr-FR" dirty="0"/>
           </a:p>
@@ -4349,9 +5172,9 @@
           <a:bodyPr/>
           <a:lstStyle/>
           <a:p>
-            <a:fld id="{6161A1F4-0D34-462A-9725-C9F6194751F0}" type="datetimeFigureOut">
+            <a:fld id="{3B7B066C-418F-4EB6-A6C8-F0FEEBF95410}" type="datetime1">
               <a:rPr lang="fr-FR" smtClean="0"/>
-              <a:t>18/11/2016</a:t>
+              <a:t>20/11/2016</a:t>
             </a:fld>
             <a:endParaRPr lang="fr-FR" dirty="0"/>
           </a:p>
@@ -4472,9 +5295,9 @@
           <a:bodyPr/>
           <a:lstStyle/>
           <a:p>
-            <a:fld id="{6161A1F4-0D34-462A-9725-C9F6194751F0}" type="datetimeFigureOut">
+            <a:fld id="{602E379B-A46F-4698-9523-9C2C8B27514F}" type="datetime1">
               <a:rPr lang="fr-FR" smtClean="0"/>
-              <a:t>18/11/2016</a:t>
+              <a:t>20/11/2016</a:t>
             </a:fld>
             <a:endParaRPr lang="fr-FR" dirty="0"/>
           </a:p>
@@ -4567,9 +5390,9 @@
           <a:bodyPr/>
           <a:lstStyle/>
           <a:p>
-            <a:fld id="{6161A1F4-0D34-462A-9725-C9F6194751F0}" type="datetimeFigureOut">
+            <a:fld id="{94F05F7F-9A96-4F22-B904-B09DEADD6069}" type="datetime1">
               <a:rPr lang="fr-FR" smtClean="0"/>
-              <a:t>18/11/2016</a:t>
+              <a:t>20/11/2016</a:t>
             </a:fld>
             <a:endParaRPr lang="fr-FR" dirty="0"/>
           </a:p>
@@ -4822,9 +5645,9 @@
           <a:bodyPr/>
           <a:lstStyle/>
           <a:p>
-            <a:fld id="{6161A1F4-0D34-462A-9725-C9F6194751F0}" type="datetimeFigureOut">
+            <a:fld id="{3C06EF17-6850-4A30-A250-8D6CD6E5E336}" type="datetime1">
               <a:rPr lang="fr-FR" smtClean="0"/>
-              <a:t>18/11/2016</a:t>
+              <a:t>20/11/2016</a:t>
             </a:fld>
             <a:endParaRPr lang="fr-FR" dirty="0"/>
           </a:p>
@@ -5085,9 +5908,9 @@
           <a:bodyPr/>
           <a:lstStyle/>
           <a:p>
-            <a:fld id="{6161A1F4-0D34-462A-9725-C9F6194751F0}" type="datetimeFigureOut">
+            <a:fld id="{079C05FD-C2C4-4321-A696-7AACD54D4D82}" type="datetime1">
               <a:rPr lang="fr-FR" smtClean="0"/>
-              <a:t>18/11/2016</a:t>
+              <a:t>20/11/2016</a:t>
             </a:fld>
             <a:endParaRPr lang="fr-FR" dirty="0"/>
           </a:p>
@@ -5828,9 +6651,9 @@
             </a:lvl1pPr>
           </a:lstStyle>
           <a:p>
-            <a:fld id="{6161A1F4-0D34-462A-9725-C9F6194751F0}" type="datetimeFigureOut">
+            <a:fld id="{2269C997-884C-47B7-B019-FB5B99B69451}" type="datetime1">
               <a:rPr lang="fr-FR" smtClean="0"/>
-              <a:t>18/11/2016</a:t>
+              <a:t>20/11/2016</a:t>
             </a:fld>
             <a:endParaRPr lang="fr-FR" dirty="0"/>
           </a:p>
@@ -5938,6 +6761,7 @@
     <p:sldLayoutId id="2147483675" r:id="rId15"/>
     <p:sldLayoutId id="2147483676" r:id="rId16"/>
   </p:sldLayoutIdLst>
+  <p:hf hdr="0" ftr="0" dt="0"/>
   <p:txStyles>
     <p:titleStyle>
       <a:lvl1pPr algn="l" defTabSz="457200" rtl="0" eaLnBrk="1" latinLnBrk="0" hangingPunct="1">
@@ -6485,7 +7309,7 @@
           <p:nvPr/>
         </p:nvPicPr>
         <p:blipFill>
-          <a:blip r:embed="rId2"/>
+          <a:blip r:embed="rId3"/>
           <a:stretch>
             <a:fillRect/>
           </a:stretch>
@@ -6500,6 +7324,29 @@
           </a:prstGeom>
         </p:spPr>
       </p:pic>
+      <p:sp>
+        <p:nvSpPr>
+          <p:cNvPr id="4" name="Espace réservé du numéro de diapositive 3"/>
+          <p:cNvSpPr>
+            <a:spLocks noGrp="1"/>
+          </p:cNvSpPr>
+          <p:nvPr>
+            <p:ph type="sldNum" sz="quarter" idx="12"/>
+          </p:nvPr>
+        </p:nvSpPr>
+        <p:spPr/>
+        <p:txBody>
+          <a:bodyPr/>
+          <a:lstStyle/>
+          <a:p>
+            <a:fld id="{1BE5A245-B95D-4E87-B11B-B82CADCDE200}" type="slidenum">
+              <a:rPr lang="fr-FR" smtClean="0"/>
+              <a:t>1</a:t>
+            </a:fld>
+            <a:endParaRPr lang="fr-FR" dirty="0"/>
+          </a:p>
+        </p:txBody>
+      </p:sp>
     </p:spTree>
     <p:extLst>
       <p:ext uri="{BB962C8B-B14F-4D97-AF65-F5344CB8AC3E}">
@@ -6561,6 +7408,29 @@
           </a:p>
         </p:txBody>
       </p:sp>
+      <p:sp>
+        <p:nvSpPr>
+          <p:cNvPr id="5" name="Espace réservé du numéro de diapositive 4"/>
+          <p:cNvSpPr>
+            <a:spLocks noGrp="1"/>
+          </p:cNvSpPr>
+          <p:nvPr>
+            <p:ph type="sldNum" sz="quarter" idx="12"/>
+          </p:nvPr>
+        </p:nvSpPr>
+        <p:spPr/>
+        <p:txBody>
+          <a:bodyPr/>
+          <a:lstStyle/>
+          <a:p>
+            <a:fld id="{1BE5A245-B95D-4E87-B11B-B82CADCDE200}" type="slidenum">
+              <a:rPr lang="fr-FR" smtClean="0"/>
+              <a:t>10</a:t>
+            </a:fld>
+            <a:endParaRPr lang="fr-FR" dirty="0"/>
+          </a:p>
+        </p:txBody>
+      </p:sp>
     </p:spTree>
     <p:extLst>
       <p:ext uri="{BB962C8B-B14F-4D97-AF65-F5344CB8AC3E}">
@@ -6699,6 +7569,29 @@
           </a:p>
         </p:txBody>
       </p:sp>
+      <p:sp>
+        <p:nvSpPr>
+          <p:cNvPr id="6" name="Espace réservé du numéro de diapositive 5"/>
+          <p:cNvSpPr>
+            <a:spLocks noGrp="1"/>
+          </p:cNvSpPr>
+          <p:nvPr>
+            <p:ph type="sldNum" sz="quarter" idx="12"/>
+          </p:nvPr>
+        </p:nvSpPr>
+        <p:spPr/>
+        <p:txBody>
+          <a:bodyPr/>
+          <a:lstStyle/>
+          <a:p>
+            <a:fld id="{1BE5A245-B95D-4E87-B11B-B82CADCDE200}" type="slidenum">
+              <a:rPr lang="fr-FR" smtClean="0"/>
+              <a:t>2</a:t>
+            </a:fld>
+            <a:endParaRPr lang="fr-FR" dirty="0"/>
+          </a:p>
+        </p:txBody>
+      </p:sp>
     </p:spTree>
     <p:extLst>
       <p:ext uri="{BB962C8B-B14F-4D97-AF65-F5344CB8AC3E}">
@@ -6818,7 +7711,7 @@
           <p:nvPr/>
         </p:nvPicPr>
         <p:blipFill>
-          <a:blip r:embed="rId2"/>
+          <a:blip r:embed="rId3"/>
           <a:stretch>
             <a:fillRect/>
           </a:stretch>
@@ -6833,6 +7726,34 @@
           </a:prstGeom>
         </p:spPr>
       </p:pic>
+      <p:sp>
+        <p:nvSpPr>
+          <p:cNvPr id="7" name="Espace réservé du numéro de diapositive 6"/>
+          <p:cNvSpPr>
+            <a:spLocks noGrp="1"/>
+          </p:cNvSpPr>
+          <p:nvPr>
+            <p:ph type="sldNum" sz="quarter" idx="12"/>
+          </p:nvPr>
+        </p:nvSpPr>
+        <p:spPr>
+          <a:xfrm>
+            <a:off x="8590663" y="6041362"/>
+            <a:ext cx="683339" cy="365125"/>
+          </a:xfrm>
+        </p:spPr>
+        <p:txBody>
+          <a:bodyPr/>
+          <a:lstStyle/>
+          <a:p>
+            <a:fld id="{1BE5A245-B95D-4E87-B11B-B82CADCDE200}" type="slidenum">
+              <a:rPr lang="fr-FR" smtClean="0"/>
+              <a:t>3</a:t>
+            </a:fld>
+            <a:endParaRPr lang="fr-FR" dirty="0"/>
+          </a:p>
+        </p:txBody>
+      </p:sp>
     </p:spTree>
     <p:extLst>
       <p:ext uri="{BB962C8B-B14F-4D97-AF65-F5344CB8AC3E}">
@@ -6915,7 +7836,7 @@
           </p:nvPr>
         </p:nvPicPr>
         <p:blipFill>
-          <a:blip r:embed="rId2"/>
+          <a:blip r:embed="rId3"/>
           <a:stretch>
             <a:fillRect/>
           </a:stretch>
@@ -6930,6 +7851,29 @@
           </a:prstGeom>
         </p:spPr>
       </p:pic>
+      <p:sp>
+        <p:nvSpPr>
+          <p:cNvPr id="6" name="Espace réservé du numéro de diapositive 5"/>
+          <p:cNvSpPr>
+            <a:spLocks noGrp="1"/>
+          </p:cNvSpPr>
+          <p:nvPr>
+            <p:ph type="sldNum" sz="quarter" idx="12"/>
+          </p:nvPr>
+        </p:nvSpPr>
+        <p:spPr/>
+        <p:txBody>
+          <a:bodyPr/>
+          <a:lstStyle/>
+          <a:p>
+            <a:fld id="{1BE5A245-B95D-4E87-B11B-B82CADCDE200}" type="slidenum">
+              <a:rPr lang="fr-FR" smtClean="0"/>
+              <a:t>4</a:t>
+            </a:fld>
+            <a:endParaRPr lang="fr-FR" dirty="0"/>
+          </a:p>
+        </p:txBody>
+      </p:sp>
     </p:spTree>
     <p:extLst>
       <p:ext uri="{BB962C8B-B14F-4D97-AF65-F5344CB8AC3E}">
@@ -7010,7 +7954,7 @@
           <p:nvPr/>
         </p:nvPicPr>
         <p:blipFill>
-          <a:blip r:embed="rId2"/>
+          <a:blip r:embed="rId3"/>
           <a:stretch>
             <a:fillRect/>
           </a:stretch>
@@ -7034,7 +7978,7 @@
           <p:nvPr/>
         </p:nvPicPr>
         <p:blipFill>
-          <a:blip r:embed="rId3"/>
+          <a:blip r:embed="rId4"/>
           <a:stretch>
             <a:fillRect/>
           </a:stretch>
@@ -7049,6 +7993,29 @@
           </a:prstGeom>
         </p:spPr>
       </p:pic>
+      <p:sp>
+        <p:nvSpPr>
+          <p:cNvPr id="5" name="Espace réservé du numéro de diapositive 4"/>
+          <p:cNvSpPr>
+            <a:spLocks noGrp="1"/>
+          </p:cNvSpPr>
+          <p:nvPr>
+            <p:ph type="sldNum" sz="quarter" idx="12"/>
+          </p:nvPr>
+        </p:nvSpPr>
+        <p:spPr/>
+        <p:txBody>
+          <a:bodyPr/>
+          <a:lstStyle/>
+          <a:p>
+            <a:fld id="{1BE5A245-B95D-4E87-B11B-B82CADCDE200}" type="slidenum">
+              <a:rPr lang="fr-FR" smtClean="0"/>
+              <a:t>5</a:t>
+            </a:fld>
+            <a:endParaRPr lang="fr-FR" dirty="0"/>
+          </a:p>
+        </p:txBody>
+      </p:sp>
     </p:spTree>
     <p:extLst>
       <p:ext uri="{BB962C8B-B14F-4D97-AF65-F5344CB8AC3E}">
@@ -7164,6 +8131,29 @@
           </a:prstGeom>
         </p:spPr>
       </p:pic>
+      <p:sp>
+        <p:nvSpPr>
+          <p:cNvPr id="5" name="Espace réservé du numéro de diapositive 4"/>
+          <p:cNvSpPr>
+            <a:spLocks noGrp="1"/>
+          </p:cNvSpPr>
+          <p:nvPr>
+            <p:ph type="sldNum" sz="quarter" idx="12"/>
+          </p:nvPr>
+        </p:nvSpPr>
+        <p:spPr/>
+        <p:txBody>
+          <a:bodyPr/>
+          <a:lstStyle/>
+          <a:p>
+            <a:fld id="{1BE5A245-B95D-4E87-B11B-B82CADCDE200}" type="slidenum">
+              <a:rPr lang="fr-FR" smtClean="0"/>
+              <a:t>6</a:t>
+            </a:fld>
+            <a:endParaRPr lang="fr-FR" dirty="0"/>
+          </a:p>
+        </p:txBody>
+      </p:sp>
     </p:spTree>
     <p:extLst>
       <p:ext uri="{BB962C8B-B14F-4D97-AF65-F5344CB8AC3E}">
@@ -7301,6 +8291,29 @@
           </a:prstGeom>
         </p:spPr>
       </p:pic>
+      <p:sp>
+        <p:nvSpPr>
+          <p:cNvPr id="8" name="Espace réservé du numéro de diapositive 7"/>
+          <p:cNvSpPr>
+            <a:spLocks noGrp="1"/>
+          </p:cNvSpPr>
+          <p:nvPr>
+            <p:ph type="sldNum" sz="quarter" idx="12"/>
+          </p:nvPr>
+        </p:nvSpPr>
+        <p:spPr/>
+        <p:txBody>
+          <a:bodyPr/>
+          <a:lstStyle/>
+          <a:p>
+            <a:fld id="{1BE5A245-B95D-4E87-B11B-B82CADCDE200}" type="slidenum">
+              <a:rPr lang="fr-FR" smtClean="0"/>
+              <a:t>7</a:t>
+            </a:fld>
+            <a:endParaRPr lang="fr-FR" dirty="0"/>
+          </a:p>
+        </p:txBody>
+      </p:sp>
     </p:spTree>
     <p:extLst>
       <p:ext uri="{BB962C8B-B14F-4D97-AF65-F5344CB8AC3E}">
@@ -7372,7 +8385,7 @@
           <p:nvPr/>
         </p:nvPicPr>
         <p:blipFill>
-          <a:blip r:embed="rId2"/>
+          <a:blip r:embed="rId3"/>
           <a:stretch>
             <a:fillRect/>
           </a:stretch>
@@ -7387,6 +8400,29 @@
           </a:prstGeom>
         </p:spPr>
       </p:pic>
+      <p:sp>
+        <p:nvSpPr>
+          <p:cNvPr id="5" name="Espace réservé du numéro de diapositive 4"/>
+          <p:cNvSpPr>
+            <a:spLocks noGrp="1"/>
+          </p:cNvSpPr>
+          <p:nvPr>
+            <p:ph type="sldNum" sz="quarter" idx="12"/>
+          </p:nvPr>
+        </p:nvSpPr>
+        <p:spPr/>
+        <p:txBody>
+          <a:bodyPr/>
+          <a:lstStyle/>
+          <a:p>
+            <a:fld id="{1BE5A245-B95D-4E87-B11B-B82CADCDE200}" type="slidenum">
+              <a:rPr lang="fr-FR" smtClean="0"/>
+              <a:t>8</a:t>
+            </a:fld>
+            <a:endParaRPr lang="fr-FR" dirty="0"/>
+          </a:p>
+        </p:txBody>
+      </p:sp>
     </p:spTree>
     <p:extLst>
       <p:ext uri="{BB962C8B-B14F-4D97-AF65-F5344CB8AC3E}">
@@ -7461,7 +8497,7 @@
           <p:nvPr/>
         </p:nvPicPr>
         <p:blipFill>
-          <a:blip r:embed="rId2" cstate="print">
+          <a:blip r:embed="rId3" cstate="print">
             <a:extLst>
               <a:ext uri="{28A0092B-C50C-407E-A947-70E740481C1C}">
                 <a14:useLocalDpi xmlns:a14="http://schemas.microsoft.com/office/drawing/2010/main" val="0"/>
@@ -7487,6 +8523,29 @@
           </a:ln>
         </p:spPr>
       </p:pic>
+      <p:sp>
+        <p:nvSpPr>
+          <p:cNvPr id="6" name="Espace réservé du numéro de diapositive 5"/>
+          <p:cNvSpPr>
+            <a:spLocks noGrp="1"/>
+          </p:cNvSpPr>
+          <p:nvPr>
+            <p:ph type="sldNum" sz="quarter" idx="12"/>
+          </p:nvPr>
+        </p:nvSpPr>
+        <p:spPr/>
+        <p:txBody>
+          <a:bodyPr/>
+          <a:lstStyle/>
+          <a:p>
+            <a:fld id="{1BE5A245-B95D-4E87-B11B-B82CADCDE200}" type="slidenum">
+              <a:rPr lang="fr-FR" smtClean="0"/>
+              <a:t>9</a:t>
+            </a:fld>
+            <a:endParaRPr lang="fr-FR" dirty="0"/>
+          </a:p>
+        </p:txBody>
+      </p:sp>
     </p:spTree>
     <p:extLst>
       <p:ext uri="{BB962C8B-B14F-4D97-AF65-F5344CB8AC3E}">

--- a/Rapport-PowerPoint-Base de connaissance/Projet SmartPatate.pptx
+++ b/Rapport-PowerPoint-Base de connaissance/Projet SmartPatate.pptx
@@ -618,13 +618,8 @@
           <a:p>
             <a:r>
               <a:rPr lang="fr-FR" dirty="0"/>
-              <a:t>Au choix on prend </a:t>
-            </a:r>
-            <a:r>
-              <a:rPr lang="fr-FR"/>
-              <a:t>la parole</a:t>
-            </a:r>
-            <a:endParaRPr lang="fr-FR"/>
+              <a:t>Au choix on prend la parole</a:t>
+            </a:r>
           </a:p>
         </p:txBody>
       </p:sp>

--- a/Rapport-PowerPoint-Base de connaissance/Projet SmartPatate.pptx
+++ b/Rapport-PowerPoint-Base de connaissance/Projet SmartPatate.pptx
@@ -218,7 +218,7 @@
           <a:p>
             <a:fld id="{E44E4D0C-E1C4-49C5-AC14-145750A4E737}" type="datetimeFigureOut">
               <a:rPr lang="fr-FR" smtClean="0"/>
-              <a:t>20/11/2016</a:t>
+              <a:t>21/11/2016</a:t>
             </a:fld>
             <a:endParaRPr lang="fr-FR" dirty="0"/>
           </a:p>
@@ -2177,7 +2177,7 @@
           <a:p>
             <a:fld id="{CA9B763E-AAA9-4CD7-B78C-DC2F474A7409}" type="datetime1">
               <a:rPr lang="fr-FR" smtClean="0"/>
-              <a:t>20/11/2016</a:t>
+              <a:t>21/11/2016</a:t>
             </a:fld>
             <a:endParaRPr lang="fr-FR" dirty="0"/>
           </a:p>
@@ -2428,7 +2428,7 @@
           <a:p>
             <a:fld id="{9F6584EB-4561-4D89-BC55-3C32A9730D5D}" type="datetime1">
               <a:rPr lang="fr-FR" smtClean="0"/>
-              <a:t>20/11/2016</a:t>
+              <a:t>21/11/2016</a:t>
             </a:fld>
             <a:endParaRPr lang="fr-FR" dirty="0"/>
           </a:p>
@@ -2742,7 +2742,7 @@
           <a:p>
             <a:fld id="{CE2C84C7-C360-4099-8FA8-1210207931BF}" type="datetime1">
               <a:rPr lang="fr-FR" smtClean="0"/>
-              <a:t>20/11/2016</a:t>
+              <a:t>21/11/2016</a:t>
             </a:fld>
             <a:endParaRPr lang="fr-FR" dirty="0"/>
           </a:p>
@@ -3083,7 +3083,7 @@
           <a:p>
             <a:fld id="{EE32AE2B-5C7D-49F3-B2A0-78963E5A5CA5}" type="datetime1">
               <a:rPr lang="fr-FR" smtClean="0"/>
-              <a:t>20/11/2016</a:t>
+              <a:t>21/11/2016</a:t>
             </a:fld>
             <a:endParaRPr lang="fr-FR" dirty="0"/>
           </a:p>
@@ -3397,7 +3397,7 @@
           <a:p>
             <a:fld id="{CEF2D231-E4B3-4467-A7EB-666F6C9519EA}" type="datetime1">
               <a:rPr lang="fr-FR" smtClean="0"/>
-              <a:t>20/11/2016</a:t>
+              <a:t>21/11/2016</a:t>
             </a:fld>
             <a:endParaRPr lang="fr-FR" dirty="0"/>
           </a:p>
@@ -3790,7 +3790,7 @@
           <a:p>
             <a:fld id="{BFCB66FC-00AF-4061-8B58-8B24F5068E79}" type="datetime1">
               <a:rPr lang="fr-FR" smtClean="0"/>
-              <a:t>20/11/2016</a:t>
+              <a:t>21/11/2016</a:t>
             </a:fld>
             <a:endParaRPr lang="fr-FR" dirty="0"/>
           </a:p>
@@ -3960,7 +3960,7 @@
           <a:p>
             <a:fld id="{E6198F01-0BBA-4043-B362-746ACD0AD673}" type="datetime1">
               <a:rPr lang="fr-FR" smtClean="0"/>
-              <a:t>20/11/2016</a:t>
+              <a:t>21/11/2016</a:t>
             </a:fld>
             <a:endParaRPr lang="fr-FR" dirty="0"/>
           </a:p>
@@ -4140,7 +4140,7 @@
           <a:p>
             <a:fld id="{67D4986D-36A7-4140-A002-D2DC853FA254}" type="datetime1">
               <a:rPr lang="fr-FR" smtClean="0"/>
-              <a:t>20/11/2016</a:t>
+              <a:t>21/11/2016</a:t>
             </a:fld>
             <a:endParaRPr lang="fr-FR" dirty="0"/>
           </a:p>
@@ -4316,7 +4316,7 @@
           <a:p>
             <a:fld id="{D0DF31F2-671B-47BF-9E43-334EE5A07B9D}" type="datetime1">
               <a:rPr lang="fr-FR" smtClean="0"/>
-              <a:t>20/11/2016</a:t>
+              <a:t>21/11/2016</a:t>
             </a:fld>
             <a:endParaRPr lang="fr-FR" dirty="0"/>
           </a:p>
@@ -4563,7 +4563,7 @@
           <a:p>
             <a:fld id="{D3B3C488-A6CA-4171-A080-AB31E3DB199B}" type="datetime1">
               <a:rPr lang="fr-FR" smtClean="0"/>
-              <a:t>20/11/2016</a:t>
+              <a:t>21/11/2016</a:t>
             </a:fld>
             <a:endParaRPr lang="fr-FR" dirty="0"/>
           </a:p>
@@ -4795,7 +4795,7 @@
           <a:p>
             <a:fld id="{7DE2336F-9CCA-4164-BF0C-EEFD89782DD9}" type="datetime1">
               <a:rPr lang="fr-FR" smtClean="0"/>
-              <a:t>20/11/2016</a:t>
+              <a:t>21/11/2016</a:t>
             </a:fld>
             <a:endParaRPr lang="fr-FR" dirty="0"/>
           </a:p>
@@ -5169,7 +5169,7 @@
           <a:p>
             <a:fld id="{3B7B066C-418F-4EB6-A6C8-F0FEEBF95410}" type="datetime1">
               <a:rPr lang="fr-FR" smtClean="0"/>
-              <a:t>20/11/2016</a:t>
+              <a:t>21/11/2016</a:t>
             </a:fld>
             <a:endParaRPr lang="fr-FR" dirty="0"/>
           </a:p>
@@ -5292,7 +5292,7 @@
           <a:p>
             <a:fld id="{602E379B-A46F-4698-9523-9C2C8B27514F}" type="datetime1">
               <a:rPr lang="fr-FR" smtClean="0"/>
-              <a:t>20/11/2016</a:t>
+              <a:t>21/11/2016</a:t>
             </a:fld>
             <a:endParaRPr lang="fr-FR" dirty="0"/>
           </a:p>
@@ -5387,7 +5387,7 @@
           <a:p>
             <a:fld id="{94F05F7F-9A96-4F22-B904-B09DEADD6069}" type="datetime1">
               <a:rPr lang="fr-FR" smtClean="0"/>
-              <a:t>20/11/2016</a:t>
+              <a:t>21/11/2016</a:t>
             </a:fld>
             <a:endParaRPr lang="fr-FR" dirty="0"/>
           </a:p>
@@ -5642,7 +5642,7 @@
           <a:p>
             <a:fld id="{3C06EF17-6850-4A30-A250-8D6CD6E5E336}" type="datetime1">
               <a:rPr lang="fr-FR" smtClean="0"/>
-              <a:t>20/11/2016</a:t>
+              <a:t>21/11/2016</a:t>
             </a:fld>
             <a:endParaRPr lang="fr-FR" dirty="0"/>
           </a:p>
@@ -5905,7 +5905,7 @@
           <a:p>
             <a:fld id="{079C05FD-C2C4-4321-A696-7AACD54D4D82}" type="datetime1">
               <a:rPr lang="fr-FR" smtClean="0"/>
-              <a:t>20/11/2016</a:t>
+              <a:t>21/11/2016</a:t>
             </a:fld>
             <a:endParaRPr lang="fr-FR" dirty="0"/>
           </a:p>
@@ -6648,7 +6648,7 @@
           <a:p>
             <a:fld id="{2269C997-884C-47B7-B019-FB5B99B69451}" type="datetime1">
               <a:rPr lang="fr-FR" smtClean="0"/>
-              <a:t>20/11/2016</a:t>
+              <a:t>21/11/2016</a:t>
             </a:fld>
             <a:endParaRPr lang="fr-FR" dirty="0"/>
           </a:p>
@@ -8373,9 +8373,32 @@
           </a:p>
         </p:txBody>
       </p:sp>
+      <p:sp>
+        <p:nvSpPr>
+          <p:cNvPr id="5" name="Espace réservé du numéro de diapositive 4"/>
+          <p:cNvSpPr>
+            <a:spLocks noGrp="1"/>
+          </p:cNvSpPr>
+          <p:nvPr>
+            <p:ph type="sldNum" sz="quarter" idx="12"/>
+          </p:nvPr>
+        </p:nvSpPr>
+        <p:spPr/>
+        <p:txBody>
+          <a:bodyPr/>
+          <a:lstStyle/>
+          <a:p>
+            <a:fld id="{1BE5A245-B95D-4E87-B11B-B82CADCDE200}" type="slidenum">
+              <a:rPr lang="fr-FR" smtClean="0"/>
+              <a:t>8</a:t>
+            </a:fld>
+            <a:endParaRPr lang="fr-FR" dirty="0"/>
+          </a:p>
+        </p:txBody>
+      </p:sp>
       <p:pic>
         <p:nvPicPr>
-          <p:cNvPr id="7" name="Image 6"/>
+          <p:cNvPr id="6" name="Image 5"/>
           <p:cNvPicPr/>
           <p:nvPr/>
         </p:nvPicPr>
@@ -8387,37 +8410,14 @@
         </p:blipFill>
         <p:spPr>
           <a:xfrm>
-            <a:off x="1702310" y="1930400"/>
-            <a:ext cx="6546715" cy="4453836"/>
+            <a:off x="2076466" y="1930400"/>
+            <a:ext cx="6115363" cy="4110476"/>
           </a:xfrm>
           <a:prstGeom prst="rect">
             <a:avLst/>
           </a:prstGeom>
         </p:spPr>
       </p:pic>
-      <p:sp>
-        <p:nvSpPr>
-          <p:cNvPr id="5" name="Espace réservé du numéro de diapositive 4"/>
-          <p:cNvSpPr>
-            <a:spLocks noGrp="1"/>
-          </p:cNvSpPr>
-          <p:nvPr>
-            <p:ph type="sldNum" sz="quarter" idx="12"/>
-          </p:nvPr>
-        </p:nvSpPr>
-        <p:spPr/>
-        <p:txBody>
-          <a:bodyPr/>
-          <a:lstStyle/>
-          <a:p>
-            <a:fld id="{1BE5A245-B95D-4E87-B11B-B82CADCDE200}" type="slidenum">
-              <a:rPr lang="fr-FR" smtClean="0"/>
-              <a:t>8</a:t>
-            </a:fld>
-            <a:endParaRPr lang="fr-FR" dirty="0"/>
-          </a:p>
-        </p:txBody>
-      </p:sp>
     </p:spTree>
     <p:extLst>
       <p:ext uri="{BB962C8B-B14F-4D97-AF65-F5344CB8AC3E}">

--- a/Rapport-PowerPoint-Base de connaissance/Projet SmartPatate.pptx
+++ b/Rapport-PowerPoint-Base de connaissance/Projet SmartPatate.pptx
@@ -8485,62 +8485,149 @@
           </a:p>
         </p:txBody>
       </p:sp>
+      <p:sp>
+        <p:nvSpPr>
+          <p:cNvPr id="6" name="Espace réservé du numéro de diapositive 5"/>
+          <p:cNvSpPr>
+            <a:spLocks noGrp="1"/>
+          </p:cNvSpPr>
+          <p:nvPr>
+            <p:ph type="sldNum" sz="quarter" idx="12"/>
+          </p:nvPr>
+        </p:nvSpPr>
+        <p:spPr/>
+        <p:txBody>
+          <a:bodyPr/>
+          <a:lstStyle/>
+          <a:p>
+            <a:fld id="{1BE5A245-B95D-4E87-B11B-B82CADCDE200}" type="slidenum">
+              <a:rPr lang="fr-FR" smtClean="0"/>
+              <a:t>9</a:t>
+            </a:fld>
+            <a:endParaRPr lang="fr-FR" dirty="0"/>
+          </a:p>
+        </p:txBody>
+      </p:sp>
       <p:pic>
         <p:nvPicPr>
-          <p:cNvPr id="4" name="Image 3" descr="C:\Users\Vaubourg\AppData\Local\Microsoft\Windows\INetCacheContent.Word\20161116_111309.jpg"/>
-          <p:cNvPicPr/>
+          <p:cNvPr id="3" name="Image 2"/>
+          <p:cNvPicPr>
+            <a:picLocks noChangeAspect="1"/>
+          </p:cNvPicPr>
           <p:nvPr/>
         </p:nvPicPr>
         <p:blipFill>
-          <a:blip r:embed="rId3" cstate="print">
+          <a:blip r:embed="rId3">
             <a:extLst>
               <a:ext uri="{28A0092B-C50C-407E-A947-70E740481C1C}">
                 <a14:useLocalDpi xmlns:a14="http://schemas.microsoft.com/office/drawing/2010/main" val="0"/>
               </a:ext>
             </a:extLst>
           </a:blip>
-          <a:srcRect/>
           <a:stretch>
             <a:fillRect/>
           </a:stretch>
         </p:blipFill>
-        <p:spPr bwMode="auto">
+        <p:spPr>
           <a:xfrm>
-            <a:off x="1176138" y="1573943"/>
-            <a:ext cx="7599059" cy="4388318"/>
+            <a:off x="125762" y="1270000"/>
+            <a:ext cx="4604859" cy="2590233"/>
           </a:xfrm>
           <a:prstGeom prst="rect">
             <a:avLst/>
           </a:prstGeom>
-          <a:noFill/>
-          <a:ln>
-            <a:noFill/>
-          </a:ln>
         </p:spPr>
       </p:pic>
-      <p:sp>
-        <p:nvSpPr>
-          <p:cNvPr id="6" name="Espace réservé du numéro de diapositive 5"/>
-          <p:cNvSpPr>
-            <a:spLocks noGrp="1"/>
-          </p:cNvSpPr>
-          <p:nvPr>
-            <p:ph type="sldNum" sz="quarter" idx="12"/>
-          </p:nvPr>
-        </p:nvSpPr>
-        <p:spPr/>
-        <p:txBody>
-          <a:bodyPr/>
-          <a:lstStyle/>
-          <a:p>
-            <a:fld id="{1BE5A245-B95D-4E87-B11B-B82CADCDE200}" type="slidenum">
-              <a:rPr lang="fr-FR" smtClean="0"/>
-              <a:t>9</a:t>
-            </a:fld>
-            <a:endParaRPr lang="fr-FR" dirty="0"/>
-          </a:p>
-        </p:txBody>
-      </p:sp>
+      <p:pic>
+        <p:nvPicPr>
+          <p:cNvPr id="5" name="Image 4"/>
+          <p:cNvPicPr>
+            <a:picLocks noChangeAspect="1"/>
+          </p:cNvPicPr>
+          <p:nvPr/>
+        </p:nvPicPr>
+        <p:blipFill>
+          <a:blip r:embed="rId4">
+            <a:extLst>
+              <a:ext uri="{28A0092B-C50C-407E-A947-70E740481C1C}">
+                <a14:useLocalDpi xmlns:a14="http://schemas.microsoft.com/office/drawing/2010/main" val="0"/>
+              </a:ext>
+            </a:extLst>
+          </a:blip>
+          <a:stretch>
+            <a:fillRect/>
+          </a:stretch>
+        </p:blipFill>
+        <p:spPr>
+          <a:xfrm>
+            <a:off x="4730621" y="1287401"/>
+            <a:ext cx="4730620" cy="2606797"/>
+          </a:xfrm>
+          <a:prstGeom prst="rect">
+            <a:avLst/>
+          </a:prstGeom>
+        </p:spPr>
+      </p:pic>
+      <p:pic>
+        <p:nvPicPr>
+          <p:cNvPr id="7" name="Image 6"/>
+          <p:cNvPicPr>
+            <a:picLocks noChangeAspect="1"/>
+          </p:cNvPicPr>
+          <p:nvPr/>
+        </p:nvPicPr>
+        <p:blipFill>
+          <a:blip r:embed="rId5">
+            <a:extLst>
+              <a:ext uri="{28A0092B-C50C-407E-A947-70E740481C1C}">
+                <a14:useLocalDpi xmlns:a14="http://schemas.microsoft.com/office/drawing/2010/main" val="0"/>
+              </a:ext>
+            </a:extLst>
+          </a:blip>
+          <a:stretch>
+            <a:fillRect/>
+          </a:stretch>
+        </p:blipFill>
+        <p:spPr>
+          <a:xfrm>
+            <a:off x="125762" y="3860233"/>
+            <a:ext cx="4604859" cy="2526208"/>
+          </a:xfrm>
+          <a:prstGeom prst="rect">
+            <a:avLst/>
+          </a:prstGeom>
+        </p:spPr>
+      </p:pic>
+      <p:pic>
+        <p:nvPicPr>
+          <p:cNvPr id="8" name="Image 7"/>
+          <p:cNvPicPr>
+            <a:picLocks noChangeAspect="1"/>
+          </p:cNvPicPr>
+          <p:nvPr/>
+        </p:nvPicPr>
+        <p:blipFill>
+          <a:blip r:embed="rId6">
+            <a:extLst>
+              <a:ext uri="{28A0092B-C50C-407E-A947-70E740481C1C}">
+                <a14:useLocalDpi xmlns:a14="http://schemas.microsoft.com/office/drawing/2010/main" val="0"/>
+              </a:ext>
+            </a:extLst>
+          </a:blip>
+          <a:stretch>
+            <a:fillRect/>
+          </a:stretch>
+        </p:blipFill>
+        <p:spPr>
+          <a:xfrm>
+            <a:off x="4730621" y="3872014"/>
+            <a:ext cx="4730620" cy="2502645"/>
+          </a:xfrm>
+          <a:prstGeom prst="rect">
+            <a:avLst/>
+          </a:prstGeom>
+        </p:spPr>
+      </p:pic>
     </p:spTree>
     <p:extLst>
       <p:ext uri="{BB962C8B-B14F-4D97-AF65-F5344CB8AC3E}">
